--- a/JavaLecture/LectureFile/java 9강 상속과super_정답.pptx
+++ b/JavaLecture/LectureFile/java 9강 상속과super_정답.pptx
@@ -229,7 +229,7 @@
           <a:p>
             <a:fld id="{D79F2C30-10E1-4C46-91DC-BBDB9629E720}" type="datetimeFigureOut">
               <a:rPr lang="ko-KR" altLang="en-US" smtClean="0"/>
-              <a:t>2023-10-29</a:t>
+              <a:t>2024-03-31 Sunday</a:t>
             </a:fld>
             <a:endParaRPr lang="ko-KR" altLang="en-US"/>
           </a:p>
@@ -773,7 +773,7 @@
           <a:p>
             <a:fld id="{F8166F1F-CE9B-4651-A6AA-CD717754106B}" type="datetimeFigureOut">
               <a:rPr lang="en-US" smtClean="0"/>
-              <a:t>10/29/2023</a:t>
+              <a:t>3/31/2024</a:t>
             </a:fld>
             <a:endParaRPr lang="en-US"/>
           </a:p>
@@ -976,7 +976,7 @@
           <a:p>
             <a:fld id="{A76116CE-C4A3-4A05-B2D7-7C2E9A889C0F}" type="datetimeFigureOut">
               <a:rPr lang="en-US" smtClean="0"/>
-              <a:t>10/29/2023</a:t>
+              <a:t>3/31/2024</a:t>
             </a:fld>
             <a:endParaRPr lang="en-US"/>
           </a:p>
@@ -1179,7 +1179,7 @@
           <a:p>
             <a:fld id="{A76116CE-C4A3-4A05-B2D7-7C2E9A889C0F}" type="datetimeFigureOut">
               <a:rPr lang="en-US" smtClean="0"/>
-              <a:t>10/29/2023</a:t>
+              <a:t>3/31/2024</a:t>
             </a:fld>
             <a:endParaRPr lang="en-US"/>
           </a:p>
@@ -1384,7 +1384,7 @@
           <a:p>
             <a:fld id="{A76116CE-C4A3-4A05-B2D7-7C2E9A889C0F}" type="datetimeFigureOut">
               <a:rPr lang="en-US" smtClean="0"/>
-              <a:t>10/29/2023</a:t>
+              <a:t>3/31/2024</a:t>
             </a:fld>
             <a:endParaRPr lang="en-US"/>
           </a:p>
@@ -1654,7 +1654,7 @@
           <a:p>
             <a:fld id="{A76116CE-C4A3-4A05-B2D7-7C2E9A889C0F}" type="datetimeFigureOut">
               <a:rPr lang="en-US" smtClean="0"/>
-              <a:t>10/29/2023</a:t>
+              <a:t>3/31/2024</a:t>
             </a:fld>
             <a:endParaRPr lang="en-US"/>
           </a:p>
@@ -1972,7 +1972,7 @@
           <a:p>
             <a:fld id="{A76116CE-C4A3-4A05-B2D7-7C2E9A889C0F}" type="datetimeFigureOut">
               <a:rPr lang="en-US" smtClean="0"/>
-              <a:t>10/29/2023</a:t>
+              <a:t>3/31/2024</a:t>
             </a:fld>
             <a:endParaRPr lang="en-US"/>
           </a:p>
@@ -2430,7 +2430,7 @@
           <a:p>
             <a:fld id="{A76116CE-C4A3-4A05-B2D7-7C2E9A889C0F}" type="datetimeFigureOut">
               <a:rPr lang="en-US" smtClean="0"/>
-              <a:t>10/29/2023</a:t>
+              <a:t>3/31/2024</a:t>
             </a:fld>
             <a:endParaRPr lang="en-US"/>
           </a:p>
@@ -2574,7 +2574,7 @@
           <a:p>
             <a:fld id="{A76116CE-C4A3-4A05-B2D7-7C2E9A889C0F}" type="datetimeFigureOut">
               <a:rPr lang="en-US" smtClean="0"/>
-              <a:t>10/29/2023</a:t>
+              <a:t>3/31/2024</a:t>
             </a:fld>
             <a:endParaRPr lang="en-US"/>
           </a:p>
@@ -2688,7 +2688,7 @@
           <a:p>
             <a:fld id="{A76116CE-C4A3-4A05-B2D7-7C2E9A889C0F}" type="datetimeFigureOut">
               <a:rPr lang="en-US" smtClean="0"/>
-              <a:t>10/29/2023</a:t>
+              <a:t>3/31/2024</a:t>
             </a:fld>
             <a:endParaRPr lang="en-US"/>
           </a:p>
@@ -2991,7 +2991,7 @@
           <a:p>
             <a:fld id="{A76116CE-C4A3-4A05-B2D7-7C2E9A889C0F}" type="datetimeFigureOut">
               <a:rPr lang="en-US" smtClean="0"/>
-              <a:t>10/29/2023</a:t>
+              <a:t>3/31/2024</a:t>
             </a:fld>
             <a:endParaRPr lang="en-US"/>
           </a:p>
@@ -3271,7 +3271,7 @@
           <a:p>
             <a:fld id="{A76116CE-C4A3-4A05-B2D7-7C2E9A889C0F}" type="datetimeFigureOut">
               <a:rPr lang="en-US" smtClean="0"/>
-              <a:t>10/29/2023</a:t>
+              <a:t>3/31/2024</a:t>
             </a:fld>
             <a:endParaRPr lang="en-US"/>
           </a:p>
@@ -4029,7 +4029,7 @@
           <p:cNvPr id="2" name="TextBox 1">
             <a:extLst>
               <a:ext uri="{FF2B5EF4-FFF2-40B4-BE49-F238E27FC236}">
-                <a16:creationId xmlns:a16="http://schemas.microsoft.com/office/drawing/2014/main" xmlns="" id="{E9A453A8-9968-67AB-7B4A-83EEB4662AA6}"/>
+                <a16:creationId xmlns:a16="http://schemas.microsoft.com/office/drawing/2014/main" id="{E9A453A8-9968-67AB-7B4A-83EEB4662AA6}"/>
               </a:ext>
             </a:extLst>
           </p:cNvPr>
@@ -4077,7 +4077,7 @@
           <p:cNvPr id="4" name="TextBox 3">
             <a:extLst>
               <a:ext uri="{FF2B5EF4-FFF2-40B4-BE49-F238E27FC236}">
-                <a16:creationId xmlns:a16="http://schemas.microsoft.com/office/drawing/2014/main" xmlns="" id="{F4B7A35A-8AAC-4622-64BC-CAD1472D4115}"/>
+                <a16:creationId xmlns:a16="http://schemas.microsoft.com/office/drawing/2014/main" id="{F4B7A35A-8AAC-4622-64BC-CAD1472D4115}"/>
               </a:ext>
             </a:extLst>
           </p:cNvPr>
@@ -4149,7 +4149,7 @@
           <p:cNvPr id="7" name="TextBox 6">
             <a:extLst>
               <a:ext uri="{FF2B5EF4-FFF2-40B4-BE49-F238E27FC236}">
-                <a16:creationId xmlns:a16="http://schemas.microsoft.com/office/drawing/2014/main" xmlns="" id="{3ACE900A-D779-4343-6623-8588B376F0A1}"/>
+                <a16:creationId xmlns:a16="http://schemas.microsoft.com/office/drawing/2014/main" id="{3ACE900A-D779-4343-6623-8588B376F0A1}"/>
               </a:ext>
             </a:extLst>
           </p:cNvPr>
@@ -4213,7 +4213,7 @@
           <p:cNvPr id="4" name="TextBox 3">
             <a:extLst>
               <a:ext uri="{FF2B5EF4-FFF2-40B4-BE49-F238E27FC236}">
-                <a16:creationId xmlns:a16="http://schemas.microsoft.com/office/drawing/2014/main" xmlns="" id="{35C9EED9-B39D-EC62-047B-997F3CB76D7C}"/>
+                <a16:creationId xmlns:a16="http://schemas.microsoft.com/office/drawing/2014/main" id="{35C9EED9-B39D-EC62-047B-997F3CB76D7C}"/>
               </a:ext>
             </a:extLst>
           </p:cNvPr>
@@ -4271,7 +4271,7 @@
           <p:cNvPr id="5" name="직선 연결선 4">
             <a:extLst>
               <a:ext uri="{FF2B5EF4-FFF2-40B4-BE49-F238E27FC236}">
-                <a16:creationId xmlns:a16="http://schemas.microsoft.com/office/drawing/2014/main" xmlns="" id="{B3A75AE2-FD3E-838E-4600-4ACDD8FC8FAC}"/>
+                <a16:creationId xmlns:a16="http://schemas.microsoft.com/office/drawing/2014/main" id="{B3A75AE2-FD3E-838E-4600-4ACDD8FC8FAC}"/>
               </a:ext>
             </a:extLst>
           </p:cNvPr>
@@ -4314,7 +4314,7 @@
           <p:cNvPr id="6" name="그림 5">
             <a:extLst>
               <a:ext uri="{FF2B5EF4-FFF2-40B4-BE49-F238E27FC236}">
-                <a16:creationId xmlns:a16="http://schemas.microsoft.com/office/drawing/2014/main" xmlns="" id="{A603C276-E52A-86E9-4343-D521CE79C41D}"/>
+                <a16:creationId xmlns:a16="http://schemas.microsoft.com/office/drawing/2014/main" id="{A603C276-E52A-86E9-4343-D521CE79C41D}"/>
               </a:ext>
             </a:extLst>
           </p:cNvPr>
@@ -4344,7 +4344,7 @@
           <p:cNvPr id="7" name="직선 화살표 연결선 6">
             <a:extLst>
               <a:ext uri="{FF2B5EF4-FFF2-40B4-BE49-F238E27FC236}">
-                <a16:creationId xmlns:a16="http://schemas.microsoft.com/office/drawing/2014/main" xmlns="" id="{7D7E5EE9-1922-0FEE-763F-39EB2AC6B429}"/>
+                <a16:creationId xmlns:a16="http://schemas.microsoft.com/office/drawing/2014/main" id="{7D7E5EE9-1922-0FEE-763F-39EB2AC6B429}"/>
               </a:ext>
             </a:extLst>
           </p:cNvPr>
@@ -4385,7 +4385,7 @@
           <p:cNvPr id="8" name="직사각형 7">
             <a:extLst>
               <a:ext uri="{FF2B5EF4-FFF2-40B4-BE49-F238E27FC236}">
-                <a16:creationId xmlns:a16="http://schemas.microsoft.com/office/drawing/2014/main" xmlns="" id="{E41E75DF-90F7-295E-8B8A-2DB32F99E29B}"/>
+                <a16:creationId xmlns:a16="http://schemas.microsoft.com/office/drawing/2014/main" id="{E41E75DF-90F7-295E-8B8A-2DB32F99E29B}"/>
               </a:ext>
             </a:extLst>
           </p:cNvPr>
@@ -4437,7 +4437,7 @@
           <p:cNvPr id="9" name="TextBox 8">
             <a:extLst>
               <a:ext uri="{FF2B5EF4-FFF2-40B4-BE49-F238E27FC236}">
-                <a16:creationId xmlns:a16="http://schemas.microsoft.com/office/drawing/2014/main" xmlns="" id="{761960F3-0C7A-1255-2036-A30CB9C9E38A}"/>
+                <a16:creationId xmlns:a16="http://schemas.microsoft.com/office/drawing/2014/main" id="{761960F3-0C7A-1255-2036-A30CB9C9E38A}"/>
               </a:ext>
             </a:extLst>
           </p:cNvPr>
@@ -4598,7 +4598,7 @@
           <p:cNvPr id="10" name="직선 화살표 연결선 9">
             <a:extLst>
               <a:ext uri="{FF2B5EF4-FFF2-40B4-BE49-F238E27FC236}">
-                <a16:creationId xmlns:a16="http://schemas.microsoft.com/office/drawing/2014/main" xmlns="" id="{D5F1BC40-08A6-C304-963D-9239D020776D}"/>
+                <a16:creationId xmlns:a16="http://schemas.microsoft.com/office/drawing/2014/main" id="{D5F1BC40-08A6-C304-963D-9239D020776D}"/>
               </a:ext>
             </a:extLst>
           </p:cNvPr>
@@ -4639,7 +4639,7 @@
           <p:cNvPr id="11" name="직사각형 10">
             <a:extLst>
               <a:ext uri="{FF2B5EF4-FFF2-40B4-BE49-F238E27FC236}">
-                <a16:creationId xmlns:a16="http://schemas.microsoft.com/office/drawing/2014/main" xmlns="" id="{50CB744A-5C5C-36CC-907B-485EAA2AFCB7}"/>
+                <a16:creationId xmlns:a16="http://schemas.microsoft.com/office/drawing/2014/main" id="{50CB744A-5C5C-36CC-907B-485EAA2AFCB7}"/>
               </a:ext>
             </a:extLst>
           </p:cNvPr>
@@ -4691,7 +4691,7 @@
           <p:cNvPr id="12" name="TextBox 11">
             <a:extLst>
               <a:ext uri="{FF2B5EF4-FFF2-40B4-BE49-F238E27FC236}">
-                <a16:creationId xmlns:a16="http://schemas.microsoft.com/office/drawing/2014/main" xmlns="" id="{10644D19-A331-0CD4-D647-793ACEBD2142}"/>
+                <a16:creationId xmlns:a16="http://schemas.microsoft.com/office/drawing/2014/main" id="{10644D19-A331-0CD4-D647-793ACEBD2142}"/>
               </a:ext>
             </a:extLst>
           </p:cNvPr>
@@ -4921,7 +4921,7 @@
           <p:cNvPr id="17" name="직사각형 16">
             <a:extLst>
               <a:ext uri="{FF2B5EF4-FFF2-40B4-BE49-F238E27FC236}">
-                <a16:creationId xmlns:a16="http://schemas.microsoft.com/office/drawing/2014/main" xmlns="" id="{4EDEB641-2A8C-FCD9-F97D-7856401FCD81}"/>
+                <a16:creationId xmlns:a16="http://schemas.microsoft.com/office/drawing/2014/main" id="{4EDEB641-2A8C-FCD9-F97D-7856401FCD81}"/>
               </a:ext>
             </a:extLst>
           </p:cNvPr>
@@ -4973,7 +4973,7 @@
           <p:cNvPr id="18" name="직선 화살표 연결선 17">
             <a:extLst>
               <a:ext uri="{FF2B5EF4-FFF2-40B4-BE49-F238E27FC236}">
-                <a16:creationId xmlns:a16="http://schemas.microsoft.com/office/drawing/2014/main" xmlns="" id="{8A4009D9-8B75-1E26-8E63-B4F686E04398}"/>
+                <a16:creationId xmlns:a16="http://schemas.microsoft.com/office/drawing/2014/main" id="{8A4009D9-8B75-1E26-8E63-B4F686E04398}"/>
               </a:ext>
             </a:extLst>
           </p:cNvPr>
@@ -5014,7 +5014,7 @@
           <p:cNvPr id="20" name="TextBox 19">
             <a:extLst>
               <a:ext uri="{FF2B5EF4-FFF2-40B4-BE49-F238E27FC236}">
-                <a16:creationId xmlns:a16="http://schemas.microsoft.com/office/drawing/2014/main" xmlns="" id="{B5FD9868-A88D-6087-C25B-17815611B54D}"/>
+                <a16:creationId xmlns:a16="http://schemas.microsoft.com/office/drawing/2014/main" id="{B5FD9868-A88D-6087-C25B-17815611B54D}"/>
               </a:ext>
             </a:extLst>
           </p:cNvPr>
@@ -5260,7 +5260,7 @@
           <p:cNvPr id="4" name="TextBox 3">
             <a:extLst>
               <a:ext uri="{FF2B5EF4-FFF2-40B4-BE49-F238E27FC236}">
-                <a16:creationId xmlns:a16="http://schemas.microsoft.com/office/drawing/2014/main" xmlns="" id="{977D0E5D-2B21-3701-B400-D1B6B86913C5}"/>
+                <a16:creationId xmlns:a16="http://schemas.microsoft.com/office/drawing/2014/main" id="{977D0E5D-2B21-3701-B400-D1B6B86913C5}"/>
               </a:ext>
             </a:extLst>
           </p:cNvPr>
@@ -5270,7 +5270,7 @@
         <p:spPr>
           <a:xfrm>
             <a:off x="609600" y="1287601"/>
-            <a:ext cx="18135600" cy="2862322"/>
+            <a:ext cx="17449800" cy="3170099"/>
           </a:xfrm>
           <a:prstGeom prst="rect">
             <a:avLst/>
@@ -5284,7 +5284,7 @@
           <a:lstStyle/>
           <a:p>
             <a:r>
-              <a:rPr lang="en-US" altLang="ko-KR" sz="3600" dirty="0" err="1">
+              <a:rPr lang="en-US" altLang="ko-KR" sz="4000" dirty="0" err="1">
                 <a:solidFill>
                   <a:srgbClr val="4C50BC"/>
                 </a:solidFill>
@@ -5294,7 +5294,7 @@
               <a:t>ElectricCar,HibrideCar</a:t>
             </a:r>
             <a:r>
-              <a:rPr lang="en-US" altLang="ko-KR" sz="3600" dirty="0">
+              <a:rPr lang="en-US" altLang="ko-KR" sz="4000" dirty="0">
                 <a:solidFill>
                   <a:srgbClr val="4C50BC"/>
                 </a:solidFill>
@@ -5304,7 +5304,7 @@
               <a:t> </a:t>
             </a:r>
             <a:r>
-              <a:rPr lang="ko-KR" altLang="en-US" sz="3600" dirty="0">
+              <a:rPr lang="ko-KR" altLang="en-US" sz="4000" dirty="0">
                 <a:solidFill>
                   <a:srgbClr val="4C50BC"/>
                 </a:solidFill>
@@ -5314,7 +5314,7 @@
               <a:t>클래스를</a:t>
             </a:r>
             <a:r>
-              <a:rPr lang="en-US" altLang="ko-KR" sz="3600" dirty="0">
+              <a:rPr lang="en-US" altLang="ko-KR" sz="4000" dirty="0">
                 <a:solidFill>
                   <a:srgbClr val="4C50BC"/>
                 </a:solidFill>
@@ -5324,7 +5324,7 @@
               <a:t> </a:t>
             </a:r>
             <a:r>
-              <a:rPr lang="ko-KR" altLang="en-US" sz="3600" dirty="0">
+              <a:rPr lang="ko-KR" altLang="en-US" sz="4000" dirty="0">
                 <a:solidFill>
                   <a:srgbClr val="4C50BC"/>
                 </a:solidFill>
@@ -5334,7 +5334,7 @@
               <a:t>만들고 둘 다 </a:t>
             </a:r>
             <a:r>
-              <a:rPr lang="en-US" altLang="ko-KR" sz="3600" dirty="0">
+              <a:rPr lang="en-US" altLang="ko-KR" sz="4000" dirty="0">
                 <a:solidFill>
                   <a:srgbClr val="4C50BC"/>
                 </a:solidFill>
@@ -5344,7 +5344,7 @@
               <a:t>int battery </a:t>
             </a:r>
             <a:r>
-              <a:rPr lang="ko-KR" altLang="en-US" sz="3600" dirty="0">
+              <a:rPr lang="ko-KR" altLang="en-US" sz="4000" dirty="0">
                 <a:solidFill>
                   <a:srgbClr val="4C50BC"/>
                 </a:solidFill>
@@ -5353,7 +5353,7 @@
               </a:rPr>
               <a:t>를 가지도록 하자</a:t>
             </a:r>
-            <a:endParaRPr lang="en-US" altLang="ko-KR" sz="3600" dirty="0">
+            <a:endParaRPr lang="en-US" altLang="ko-KR" sz="4000" dirty="0">
               <a:solidFill>
                 <a:srgbClr val="4C50BC"/>
               </a:solidFill>
@@ -5363,7 +5363,7 @@
           </a:p>
           <a:p>
             <a:r>
-              <a:rPr lang="en-US" altLang="ko-KR" sz="3600" dirty="0">
+              <a:rPr lang="en-US" altLang="ko-KR" sz="4000" dirty="0">
                 <a:solidFill>
                   <a:schemeClr val="bg1">
                     <a:lumMod val="50000"/>
@@ -5375,7 +5375,7 @@
               <a:t>   - battery</a:t>
             </a:r>
             <a:r>
-              <a:rPr lang="ko-KR" altLang="en-US" sz="3600" dirty="0">
+              <a:rPr lang="ko-KR" altLang="en-US" sz="4000" dirty="0">
                 <a:solidFill>
                   <a:schemeClr val="bg1">
                     <a:lumMod val="50000"/>
@@ -5387,7 +5387,7 @@
               <a:t>를 전기</a:t>
             </a:r>
             <a:r>
-              <a:rPr lang="en-US" altLang="ko-KR" sz="3600" dirty="0">
+              <a:rPr lang="en-US" altLang="ko-KR" sz="4000" dirty="0">
                 <a:solidFill>
                   <a:schemeClr val="bg1">
                     <a:lumMod val="50000"/>
@@ -5399,7 +5399,7 @@
               <a:t>,</a:t>
             </a:r>
             <a:r>
-              <a:rPr lang="ko-KR" altLang="en-US" sz="3600" dirty="0">
+              <a:rPr lang="ko-KR" altLang="en-US" sz="4000" dirty="0">
                 <a:solidFill>
                   <a:schemeClr val="bg1">
                     <a:lumMod val="50000"/>
@@ -5411,7 +5411,7 @@
               <a:t>하이브리드 둘 다 선언하면 코드 중복이다</a:t>
             </a:r>
             <a:r>
-              <a:rPr lang="en-US" altLang="ko-KR" sz="3600" dirty="0">
+              <a:rPr lang="en-US" altLang="ko-KR" sz="4000" dirty="0">
                 <a:solidFill>
                   <a:schemeClr val="bg1">
                     <a:lumMod val="50000"/>
@@ -5425,7 +5425,7 @@
           </a:p>
           <a:p>
             <a:r>
-              <a:rPr lang="en-US" altLang="ko-KR" sz="3600" dirty="0">
+              <a:rPr lang="en-US" altLang="ko-KR" sz="4000" dirty="0">
                 <a:solidFill>
                   <a:schemeClr val="bg1">
                     <a:lumMod val="50000"/>
@@ -5437,7 +5437,7 @@
               <a:t>   - Car </a:t>
             </a:r>
             <a:r>
-              <a:rPr lang="ko-KR" altLang="en-US" sz="3600" dirty="0">
+              <a:rPr lang="ko-KR" altLang="en-US" sz="4000" dirty="0">
                 <a:solidFill>
                   <a:schemeClr val="bg1">
                     <a:lumMod val="50000"/>
@@ -5449,7 +5449,7 @@
               <a:t>클래스에 선언하면 </a:t>
             </a:r>
             <a:r>
-              <a:rPr lang="en-US" altLang="ko-KR" sz="3600" dirty="0" err="1">
+              <a:rPr lang="en-US" altLang="ko-KR" sz="4000" dirty="0" err="1">
                 <a:solidFill>
                   <a:schemeClr val="bg1">
                     <a:lumMod val="50000"/>
@@ -5461,7 +5461,7 @@
               <a:t>OilCar</a:t>
             </a:r>
             <a:r>
-              <a:rPr lang="en-US" altLang="ko-KR" sz="3600" dirty="0">
+              <a:rPr lang="en-US" altLang="ko-KR" sz="4000" dirty="0">
                 <a:solidFill>
                   <a:schemeClr val="bg1">
                     <a:lumMod val="50000"/>
@@ -5473,7 +5473,7 @@
               <a:t> </a:t>
             </a:r>
             <a:r>
-              <a:rPr lang="ko-KR" altLang="en-US" sz="3600" dirty="0">
+              <a:rPr lang="ko-KR" altLang="en-US" sz="4000" dirty="0">
                 <a:solidFill>
                   <a:schemeClr val="bg1">
                     <a:lumMod val="50000"/>
@@ -5484,7 +5484,7 @@
               </a:rPr>
               <a:t>역시 배터리를 가지게 된다</a:t>
             </a:r>
-            <a:endParaRPr lang="en-US" altLang="ko-KR" sz="3600" dirty="0">
+            <a:endParaRPr lang="en-US" altLang="ko-KR" sz="4000" dirty="0">
               <a:solidFill>
                 <a:schemeClr val="bg1">
                   <a:lumMod val="50000"/>
@@ -5496,7 +5496,7 @@
           </a:p>
           <a:p>
             <a:r>
-              <a:rPr lang="en-US" altLang="ko-KR" sz="3600" dirty="0">
+              <a:rPr lang="en-US" altLang="ko-KR" sz="4000" dirty="0">
                 <a:solidFill>
                   <a:schemeClr val="bg1">
                     <a:lumMod val="50000"/>
@@ -5508,7 +5508,7 @@
               <a:t>    (</a:t>
             </a:r>
             <a:r>
-              <a:rPr lang="ko-KR" altLang="en-US" sz="3600" dirty="0" err="1">
+              <a:rPr lang="ko-KR" altLang="en-US" sz="4000" dirty="0" err="1">
                 <a:solidFill>
                   <a:schemeClr val="bg1">
                     <a:lumMod val="50000"/>
@@ -5520,7 +5520,7 @@
               <a:t>기름차</a:t>
             </a:r>
             <a:r>
-              <a:rPr lang="ko-KR" altLang="en-US" sz="3600" dirty="0">
+              <a:rPr lang="ko-KR" altLang="en-US" sz="4000" dirty="0">
                 <a:solidFill>
                   <a:schemeClr val="bg1">
                     <a:lumMod val="50000"/>
@@ -5532,7 +5532,7 @@
               <a:t> 역시 현실에선 배터리가 있지만 없다고 가정하자</a:t>
             </a:r>
             <a:r>
-              <a:rPr lang="en-US" altLang="ko-KR" sz="3600" dirty="0">
+              <a:rPr lang="en-US" altLang="ko-KR" sz="4000" dirty="0">
                 <a:solidFill>
                   <a:schemeClr val="bg1">
                     <a:lumMod val="50000"/>
@@ -5546,7 +5546,7 @@
           </a:p>
           <a:p>
             <a:r>
-              <a:rPr lang="en-US" altLang="ko-KR" sz="3600" dirty="0">
+              <a:rPr lang="en-US" altLang="ko-KR" sz="4000" dirty="0">
                 <a:solidFill>
                   <a:schemeClr val="bg1">
                     <a:lumMod val="50000"/>
@@ -5558,7 +5558,7 @@
               <a:t>- </a:t>
             </a:r>
             <a:r>
-              <a:rPr lang="ko-KR" altLang="en-US" sz="3600" dirty="0">
+              <a:rPr lang="ko-KR" altLang="en-US" sz="4000" dirty="0">
                 <a:solidFill>
                   <a:schemeClr val="bg1">
                     <a:lumMod val="50000"/>
@@ -5570,7 +5570,7 @@
               <a:t>둘 다 </a:t>
             </a:r>
             <a:r>
-              <a:rPr lang="en-US" altLang="ko-KR" sz="3600" dirty="0">
+              <a:rPr lang="en-US" altLang="ko-KR" sz="4000" dirty="0">
                 <a:solidFill>
                   <a:schemeClr val="bg1">
                     <a:lumMod val="50000"/>
@@ -5582,7 +5582,7 @@
               <a:t>void Charge(int power) </a:t>
             </a:r>
             <a:r>
-              <a:rPr lang="ko-KR" altLang="en-US" sz="3600" dirty="0">
+              <a:rPr lang="ko-KR" altLang="en-US" sz="4000" dirty="0">
                 <a:solidFill>
                   <a:schemeClr val="bg1">
                     <a:lumMod val="50000"/>
@@ -5594,7 +5594,7 @@
               <a:t>메서드를 가지고 충전 할 수 있어야 한다</a:t>
             </a:r>
             <a:r>
-              <a:rPr lang="en-US" altLang="ko-KR" sz="3600" dirty="0">
+              <a:rPr lang="en-US" altLang="ko-KR" sz="4000" dirty="0">
                 <a:solidFill>
                   <a:schemeClr val="bg1">
                     <a:lumMod val="50000"/>
@@ -5637,7 +5637,7 @@
           <p:cNvPr id="2" name="TextBox 1">
             <a:extLst>
               <a:ext uri="{FF2B5EF4-FFF2-40B4-BE49-F238E27FC236}">
-                <a16:creationId xmlns:a16="http://schemas.microsoft.com/office/drawing/2014/main" xmlns="" id="{B344B74E-919E-6C76-14E7-3B9F1437A495}"/>
+                <a16:creationId xmlns:a16="http://schemas.microsoft.com/office/drawing/2014/main" id="{B344B74E-919E-6C76-14E7-3B9F1437A495}"/>
               </a:ext>
             </a:extLst>
           </p:cNvPr>
@@ -5698,7 +5698,7 @@
           <p:cNvPr id="3" name="직선 연결선 2">
             <a:extLst>
               <a:ext uri="{FF2B5EF4-FFF2-40B4-BE49-F238E27FC236}">
-                <a16:creationId xmlns:a16="http://schemas.microsoft.com/office/drawing/2014/main" xmlns="" id="{9EF4F53E-9BBD-DA92-ABB6-8BED783EB6E3}"/>
+                <a16:creationId xmlns:a16="http://schemas.microsoft.com/office/drawing/2014/main" id="{9EF4F53E-9BBD-DA92-ABB6-8BED783EB6E3}"/>
               </a:ext>
             </a:extLst>
           </p:cNvPr>
@@ -5771,7 +5771,7 @@
           <p:cNvPr id="6" name="그룹 1018">
             <a:extLst>
               <a:ext uri="{FF2B5EF4-FFF2-40B4-BE49-F238E27FC236}">
-                <a16:creationId xmlns:a16="http://schemas.microsoft.com/office/drawing/2014/main" xmlns="" id="{FF6D0813-174C-2AEF-7FE3-84BE351DB13F}"/>
+                <a16:creationId xmlns:a16="http://schemas.microsoft.com/office/drawing/2014/main" id="{FF6D0813-174C-2AEF-7FE3-84BE351DB13F}"/>
               </a:ext>
             </a:extLst>
           </p:cNvPr>
@@ -5791,7 +5791,7 @@
             <p:cNvPr id="7" name="Object 61">
               <a:extLst>
                 <a:ext uri="{FF2B5EF4-FFF2-40B4-BE49-F238E27FC236}">
-                  <a16:creationId xmlns:a16="http://schemas.microsoft.com/office/drawing/2014/main" xmlns="" id="{1CC1D4DA-CAEC-480A-11F0-8148A6DB0742}"/>
+                  <a16:creationId xmlns:a16="http://schemas.microsoft.com/office/drawing/2014/main" id="{1CC1D4DA-CAEC-480A-11F0-8148A6DB0742}"/>
                 </a:ext>
               </a:extLst>
             </p:cNvPr>
@@ -5822,7 +5822,7 @@
           <p:cNvPr id="8" name="그룹 1021">
             <a:extLst>
               <a:ext uri="{FF2B5EF4-FFF2-40B4-BE49-F238E27FC236}">
-                <a16:creationId xmlns:a16="http://schemas.microsoft.com/office/drawing/2014/main" xmlns="" id="{72567BE2-4142-1507-51C7-02AD44A47DD9}"/>
+                <a16:creationId xmlns:a16="http://schemas.microsoft.com/office/drawing/2014/main" id="{72567BE2-4142-1507-51C7-02AD44A47DD9}"/>
               </a:ext>
             </a:extLst>
           </p:cNvPr>
@@ -5842,7 +5842,7 @@
             <p:cNvPr id="9" name="Object 71">
               <a:extLst>
                 <a:ext uri="{FF2B5EF4-FFF2-40B4-BE49-F238E27FC236}">
-                  <a16:creationId xmlns:a16="http://schemas.microsoft.com/office/drawing/2014/main" xmlns="" id="{6CBB375A-1078-96AD-A230-8D0F546371AE}"/>
+                  <a16:creationId xmlns:a16="http://schemas.microsoft.com/office/drawing/2014/main" id="{6CBB375A-1078-96AD-A230-8D0F546371AE}"/>
                 </a:ext>
               </a:extLst>
             </p:cNvPr>
@@ -5873,7 +5873,7 @@
           <p:cNvPr id="10" name="그룹 1024">
             <a:extLst>
               <a:ext uri="{FF2B5EF4-FFF2-40B4-BE49-F238E27FC236}">
-                <a16:creationId xmlns:a16="http://schemas.microsoft.com/office/drawing/2014/main" xmlns="" id="{63321723-62E2-1BED-BC51-1AE6B794C21A}"/>
+                <a16:creationId xmlns:a16="http://schemas.microsoft.com/office/drawing/2014/main" id="{63321723-62E2-1BED-BC51-1AE6B794C21A}"/>
               </a:ext>
             </a:extLst>
           </p:cNvPr>
@@ -5893,7 +5893,7 @@
             <p:cNvPr id="11" name="Object 81">
               <a:extLst>
                 <a:ext uri="{FF2B5EF4-FFF2-40B4-BE49-F238E27FC236}">
-                  <a16:creationId xmlns:a16="http://schemas.microsoft.com/office/drawing/2014/main" xmlns="" id="{FF21B703-2154-73EB-EFE3-403DB42CEF86}"/>
+                  <a16:creationId xmlns:a16="http://schemas.microsoft.com/office/drawing/2014/main" id="{FF21B703-2154-73EB-EFE3-403DB42CEF86}"/>
                 </a:ext>
               </a:extLst>
             </p:cNvPr>
@@ -5924,7 +5924,7 @@
           <p:cNvPr id="13" name="TextBox 12">
             <a:extLst>
               <a:ext uri="{FF2B5EF4-FFF2-40B4-BE49-F238E27FC236}">
-                <a16:creationId xmlns:a16="http://schemas.microsoft.com/office/drawing/2014/main" xmlns="" id="{D0722A3F-9C07-13EF-33C8-2013F2F3B499}"/>
+                <a16:creationId xmlns:a16="http://schemas.microsoft.com/office/drawing/2014/main" id="{D0722A3F-9C07-13EF-33C8-2013F2F3B499}"/>
               </a:ext>
             </a:extLst>
           </p:cNvPr>
@@ -5972,7 +5972,7 @@
           <p:cNvPr id="14" name="TextBox 13">
             <a:extLst>
               <a:ext uri="{FF2B5EF4-FFF2-40B4-BE49-F238E27FC236}">
-                <a16:creationId xmlns:a16="http://schemas.microsoft.com/office/drawing/2014/main" xmlns="" id="{2C2687E4-55C4-46C9-3639-4A50B8AF6A20}"/>
+                <a16:creationId xmlns:a16="http://schemas.microsoft.com/office/drawing/2014/main" id="{2C2687E4-55C4-46C9-3639-4A50B8AF6A20}"/>
               </a:ext>
             </a:extLst>
           </p:cNvPr>
@@ -6020,7 +6020,7 @@
           <p:cNvPr id="15" name="TextBox 14">
             <a:extLst>
               <a:ext uri="{FF2B5EF4-FFF2-40B4-BE49-F238E27FC236}">
-                <a16:creationId xmlns:a16="http://schemas.microsoft.com/office/drawing/2014/main" xmlns="" id="{96CB367E-6999-25FC-D777-1F8582B9351B}"/>
+                <a16:creationId xmlns:a16="http://schemas.microsoft.com/office/drawing/2014/main" id="{96CB367E-6999-25FC-D777-1F8582B9351B}"/>
               </a:ext>
             </a:extLst>
           </p:cNvPr>
@@ -6068,7 +6068,7 @@
           <p:cNvPr id="16" name="직선 화살표 연결선 15">
             <a:extLst>
               <a:ext uri="{FF2B5EF4-FFF2-40B4-BE49-F238E27FC236}">
-                <a16:creationId xmlns:a16="http://schemas.microsoft.com/office/drawing/2014/main" xmlns="" id="{CC609457-2107-75A0-2F00-A0E67DEB2838}"/>
+                <a16:creationId xmlns:a16="http://schemas.microsoft.com/office/drawing/2014/main" id="{CC609457-2107-75A0-2F00-A0E67DEB2838}"/>
               </a:ext>
             </a:extLst>
           </p:cNvPr>
@@ -6111,7 +6111,7 @@
           <p:cNvPr id="17" name="직선 화살표 연결선 16">
             <a:extLst>
               <a:ext uri="{FF2B5EF4-FFF2-40B4-BE49-F238E27FC236}">
-                <a16:creationId xmlns:a16="http://schemas.microsoft.com/office/drawing/2014/main" xmlns="" id="{55D90E96-AA0B-76A3-FCFC-15783D2FBFC3}"/>
+                <a16:creationId xmlns:a16="http://schemas.microsoft.com/office/drawing/2014/main" id="{55D90E96-AA0B-76A3-FCFC-15783D2FBFC3}"/>
               </a:ext>
             </a:extLst>
           </p:cNvPr>
@@ -6153,7 +6153,7 @@
           <p:cNvPr id="18" name="직선 화살표 연결선 17">
             <a:extLst>
               <a:ext uri="{FF2B5EF4-FFF2-40B4-BE49-F238E27FC236}">
-                <a16:creationId xmlns:a16="http://schemas.microsoft.com/office/drawing/2014/main" xmlns="" id="{075EBFC3-8A3D-CB55-A397-FDDB8D6684CB}"/>
+                <a16:creationId xmlns:a16="http://schemas.microsoft.com/office/drawing/2014/main" id="{075EBFC3-8A3D-CB55-A397-FDDB8D6684CB}"/>
               </a:ext>
             </a:extLst>
           </p:cNvPr>
@@ -6196,7 +6196,7 @@
           <p:cNvPr id="20" name="그룹 1021">
             <a:extLst>
               <a:ext uri="{FF2B5EF4-FFF2-40B4-BE49-F238E27FC236}">
-                <a16:creationId xmlns:a16="http://schemas.microsoft.com/office/drawing/2014/main" xmlns="" id="{3B7AC103-DB0D-2EC0-2927-68EB5A23CFC5}"/>
+                <a16:creationId xmlns:a16="http://schemas.microsoft.com/office/drawing/2014/main" id="{3B7AC103-DB0D-2EC0-2927-68EB5A23CFC5}"/>
               </a:ext>
             </a:extLst>
           </p:cNvPr>
@@ -6216,7 +6216,7 @@
             <p:cNvPr id="21" name="Object 71">
               <a:extLst>
                 <a:ext uri="{FF2B5EF4-FFF2-40B4-BE49-F238E27FC236}">
-                  <a16:creationId xmlns:a16="http://schemas.microsoft.com/office/drawing/2014/main" xmlns="" id="{7BA0A3B2-1A1D-CB2E-6589-4B82F0F472E3}"/>
+                  <a16:creationId xmlns:a16="http://schemas.microsoft.com/office/drawing/2014/main" id="{7BA0A3B2-1A1D-CB2E-6589-4B82F0F472E3}"/>
                 </a:ext>
               </a:extLst>
             </p:cNvPr>
@@ -6247,7 +6247,7 @@
           <p:cNvPr id="22" name="TextBox 21">
             <a:extLst>
               <a:ext uri="{FF2B5EF4-FFF2-40B4-BE49-F238E27FC236}">
-                <a16:creationId xmlns:a16="http://schemas.microsoft.com/office/drawing/2014/main" xmlns="" id="{D98C665C-D69B-4557-A621-332E8BC5BD44}"/>
+                <a16:creationId xmlns:a16="http://schemas.microsoft.com/office/drawing/2014/main" id="{D98C665C-D69B-4557-A621-332E8BC5BD44}"/>
               </a:ext>
             </a:extLst>
           </p:cNvPr>
@@ -6295,7 +6295,7 @@
           <p:cNvPr id="23" name="그룹 1021">
             <a:extLst>
               <a:ext uri="{FF2B5EF4-FFF2-40B4-BE49-F238E27FC236}">
-                <a16:creationId xmlns:a16="http://schemas.microsoft.com/office/drawing/2014/main" xmlns="" id="{2B6256D3-01DD-B519-81CE-63FC43E28B52}"/>
+                <a16:creationId xmlns:a16="http://schemas.microsoft.com/office/drawing/2014/main" id="{2B6256D3-01DD-B519-81CE-63FC43E28B52}"/>
               </a:ext>
             </a:extLst>
           </p:cNvPr>
@@ -6315,7 +6315,7 @@
             <p:cNvPr id="24" name="Object 71">
               <a:extLst>
                 <a:ext uri="{FF2B5EF4-FFF2-40B4-BE49-F238E27FC236}">
-                  <a16:creationId xmlns:a16="http://schemas.microsoft.com/office/drawing/2014/main" xmlns="" id="{3999A018-81A5-EEDD-8EFB-77A6DBBC66EC}"/>
+                  <a16:creationId xmlns:a16="http://schemas.microsoft.com/office/drawing/2014/main" id="{3999A018-81A5-EEDD-8EFB-77A6DBBC66EC}"/>
                 </a:ext>
               </a:extLst>
             </p:cNvPr>
@@ -6346,7 +6346,7 @@
           <p:cNvPr id="25" name="TextBox 24">
             <a:extLst>
               <a:ext uri="{FF2B5EF4-FFF2-40B4-BE49-F238E27FC236}">
-                <a16:creationId xmlns:a16="http://schemas.microsoft.com/office/drawing/2014/main" xmlns="" id="{2BB88292-94F9-5DB8-CB9E-2AED0638CE03}"/>
+                <a16:creationId xmlns:a16="http://schemas.microsoft.com/office/drawing/2014/main" id="{2BB88292-94F9-5DB8-CB9E-2AED0638CE03}"/>
               </a:ext>
             </a:extLst>
           </p:cNvPr>
@@ -6394,7 +6394,7 @@
           <p:cNvPr id="26" name="TextBox 25">
             <a:extLst>
               <a:ext uri="{FF2B5EF4-FFF2-40B4-BE49-F238E27FC236}">
-                <a16:creationId xmlns:a16="http://schemas.microsoft.com/office/drawing/2014/main" xmlns="" id="{060D95C2-B256-7857-7EE3-5CEB710E4DBE}"/>
+                <a16:creationId xmlns:a16="http://schemas.microsoft.com/office/drawing/2014/main" id="{060D95C2-B256-7857-7EE3-5CEB710E4DBE}"/>
               </a:ext>
             </a:extLst>
           </p:cNvPr>
@@ -6446,7 +6446,7 @@
           <p:cNvPr id="27" name="직선 화살표 연결선 26">
             <a:extLst>
               <a:ext uri="{FF2B5EF4-FFF2-40B4-BE49-F238E27FC236}">
-                <a16:creationId xmlns:a16="http://schemas.microsoft.com/office/drawing/2014/main" xmlns="" id="{D5E72D79-1A7F-84E5-FD79-44305EF53B3A}"/>
+                <a16:creationId xmlns:a16="http://schemas.microsoft.com/office/drawing/2014/main" id="{D5E72D79-1A7F-84E5-FD79-44305EF53B3A}"/>
               </a:ext>
             </a:extLst>
           </p:cNvPr>
@@ -6487,7 +6487,7 @@
           <p:cNvPr id="2" name="TextBox 1">
             <a:extLst>
               <a:ext uri="{FF2B5EF4-FFF2-40B4-BE49-F238E27FC236}">
-                <a16:creationId xmlns:a16="http://schemas.microsoft.com/office/drawing/2014/main" xmlns="" id="{13ECDED9-4790-B4E3-0630-2EB93F3A1928}"/>
+                <a16:creationId xmlns:a16="http://schemas.microsoft.com/office/drawing/2014/main" id="{13ECDED9-4790-B4E3-0630-2EB93F3A1928}"/>
               </a:ext>
             </a:extLst>
           </p:cNvPr>
@@ -6545,7 +6545,7 @@
           <p:cNvPr id="3" name="직선 연결선 2">
             <a:extLst>
               <a:ext uri="{FF2B5EF4-FFF2-40B4-BE49-F238E27FC236}">
-                <a16:creationId xmlns:a16="http://schemas.microsoft.com/office/drawing/2014/main" xmlns="" id="{A07DDC36-C72B-6D04-C2D4-48459FC38400}"/>
+                <a16:creationId xmlns:a16="http://schemas.microsoft.com/office/drawing/2014/main" id="{A07DDC36-C72B-6D04-C2D4-48459FC38400}"/>
               </a:ext>
             </a:extLst>
           </p:cNvPr>
@@ -6588,7 +6588,7 @@
           <p:cNvPr id="4" name="직선 화살표 연결선 3">
             <a:extLst>
               <a:ext uri="{FF2B5EF4-FFF2-40B4-BE49-F238E27FC236}">
-                <a16:creationId xmlns:a16="http://schemas.microsoft.com/office/drawing/2014/main" xmlns="" id="{B2A2669E-892C-2C9B-A9FB-443558B3CC09}"/>
+                <a16:creationId xmlns:a16="http://schemas.microsoft.com/office/drawing/2014/main" id="{B2A2669E-892C-2C9B-A9FB-443558B3CC09}"/>
               </a:ext>
             </a:extLst>
           </p:cNvPr>
@@ -6629,7 +6629,7 @@
           <p:cNvPr id="12" name="TextBox 11">
             <a:extLst>
               <a:ext uri="{FF2B5EF4-FFF2-40B4-BE49-F238E27FC236}">
-                <a16:creationId xmlns:a16="http://schemas.microsoft.com/office/drawing/2014/main" xmlns="" id="{37BFF874-D458-1AF1-D973-8EF41AF17F62}"/>
+                <a16:creationId xmlns:a16="http://schemas.microsoft.com/office/drawing/2014/main" id="{37BFF874-D458-1AF1-D973-8EF41AF17F62}"/>
               </a:ext>
             </a:extLst>
           </p:cNvPr>
@@ -6735,13 +6735,6 @@
   <p:clrMapOvr>
     <a:masterClrMapping/>
   </p:clrMapOvr>
-  <p:timing>
-    <p:tnLst>
-      <p:par>
-        <p:cTn id="1" dur="indefinite" restart="never" nodeType="tmRoot"/>
-      </p:par>
-    </p:tnLst>
-  </p:timing>
 </p:sld>
 </file>
 
@@ -6767,7 +6760,7 @@
           <p:cNvPr id="4" name="그룹 1015">
             <a:extLst>
               <a:ext uri="{FF2B5EF4-FFF2-40B4-BE49-F238E27FC236}">
-                <a16:creationId xmlns:a16="http://schemas.microsoft.com/office/drawing/2014/main" xmlns="" id="{040504CF-6BB7-1FE0-5AE0-FA417D087623}"/>
+                <a16:creationId xmlns:a16="http://schemas.microsoft.com/office/drawing/2014/main" id="{040504CF-6BB7-1FE0-5AE0-FA417D087623}"/>
               </a:ext>
             </a:extLst>
           </p:cNvPr>
@@ -6787,7 +6780,7 @@
             <p:cNvPr id="5" name="Object 52">
               <a:extLst>
                 <a:ext uri="{FF2B5EF4-FFF2-40B4-BE49-F238E27FC236}">
-                  <a16:creationId xmlns:a16="http://schemas.microsoft.com/office/drawing/2014/main" xmlns="" id="{B39A0CCA-90B5-9203-05F4-4C58DCD7E11A}"/>
+                  <a16:creationId xmlns:a16="http://schemas.microsoft.com/office/drawing/2014/main" id="{B39A0CCA-90B5-9203-05F4-4C58DCD7E11A}"/>
                 </a:ext>
               </a:extLst>
             </p:cNvPr>
@@ -6818,7 +6811,7 @@
           <p:cNvPr id="6" name="그룹 1018">
             <a:extLst>
               <a:ext uri="{FF2B5EF4-FFF2-40B4-BE49-F238E27FC236}">
-                <a16:creationId xmlns:a16="http://schemas.microsoft.com/office/drawing/2014/main" xmlns="" id="{132A09D5-8629-69D6-8BC6-AA335853C834}"/>
+                <a16:creationId xmlns:a16="http://schemas.microsoft.com/office/drawing/2014/main" id="{132A09D5-8629-69D6-8BC6-AA335853C834}"/>
               </a:ext>
             </a:extLst>
           </p:cNvPr>
@@ -6838,7 +6831,7 @@
             <p:cNvPr id="7" name="Object 61">
               <a:extLst>
                 <a:ext uri="{FF2B5EF4-FFF2-40B4-BE49-F238E27FC236}">
-                  <a16:creationId xmlns:a16="http://schemas.microsoft.com/office/drawing/2014/main" xmlns="" id="{70B56A8A-2F1F-1038-7A05-14F8F16B7D32}"/>
+                  <a16:creationId xmlns:a16="http://schemas.microsoft.com/office/drawing/2014/main" id="{70B56A8A-2F1F-1038-7A05-14F8F16B7D32}"/>
                 </a:ext>
               </a:extLst>
             </p:cNvPr>
@@ -6869,7 +6862,7 @@
           <p:cNvPr id="8" name="그룹 1021">
             <a:extLst>
               <a:ext uri="{FF2B5EF4-FFF2-40B4-BE49-F238E27FC236}">
-                <a16:creationId xmlns:a16="http://schemas.microsoft.com/office/drawing/2014/main" xmlns="" id="{0CC477DA-AA27-4274-BDF5-DAB3FD176CFE}"/>
+                <a16:creationId xmlns:a16="http://schemas.microsoft.com/office/drawing/2014/main" id="{0CC477DA-AA27-4274-BDF5-DAB3FD176CFE}"/>
               </a:ext>
             </a:extLst>
           </p:cNvPr>
@@ -6889,7 +6882,7 @@
             <p:cNvPr id="9" name="Object 71">
               <a:extLst>
                 <a:ext uri="{FF2B5EF4-FFF2-40B4-BE49-F238E27FC236}">
-                  <a16:creationId xmlns:a16="http://schemas.microsoft.com/office/drawing/2014/main" xmlns="" id="{181FBF60-0EB2-C1D5-852A-1E1A74801C09}"/>
+                  <a16:creationId xmlns:a16="http://schemas.microsoft.com/office/drawing/2014/main" id="{181FBF60-0EB2-C1D5-852A-1E1A74801C09}"/>
                 </a:ext>
               </a:extLst>
             </p:cNvPr>
@@ -6920,7 +6913,7 @@
           <p:cNvPr id="10" name="그룹 1024">
             <a:extLst>
               <a:ext uri="{FF2B5EF4-FFF2-40B4-BE49-F238E27FC236}">
-                <a16:creationId xmlns:a16="http://schemas.microsoft.com/office/drawing/2014/main" xmlns="" id="{522E4010-4303-2F70-E40B-05544D6CBD36}"/>
+                <a16:creationId xmlns:a16="http://schemas.microsoft.com/office/drawing/2014/main" id="{522E4010-4303-2F70-E40B-05544D6CBD36}"/>
               </a:ext>
             </a:extLst>
           </p:cNvPr>
@@ -6940,7 +6933,7 @@
             <p:cNvPr id="11" name="Object 81">
               <a:extLst>
                 <a:ext uri="{FF2B5EF4-FFF2-40B4-BE49-F238E27FC236}">
-                  <a16:creationId xmlns:a16="http://schemas.microsoft.com/office/drawing/2014/main" xmlns="" id="{B3E2F3B9-29E2-9DD1-A782-DCCAA0C1336A}"/>
+                  <a16:creationId xmlns:a16="http://schemas.microsoft.com/office/drawing/2014/main" id="{B3E2F3B9-29E2-9DD1-A782-DCCAA0C1336A}"/>
                 </a:ext>
               </a:extLst>
             </p:cNvPr>
@@ -6971,7 +6964,7 @@
           <p:cNvPr id="12" name="TextBox 11">
             <a:extLst>
               <a:ext uri="{FF2B5EF4-FFF2-40B4-BE49-F238E27FC236}">
-                <a16:creationId xmlns:a16="http://schemas.microsoft.com/office/drawing/2014/main" xmlns="" id="{12EF9009-8F0D-4724-25F0-53DB591E45ED}"/>
+                <a16:creationId xmlns:a16="http://schemas.microsoft.com/office/drawing/2014/main" id="{12EF9009-8F0D-4724-25F0-53DB591E45ED}"/>
               </a:ext>
             </a:extLst>
           </p:cNvPr>
@@ -6980,8 +6973,8 @@
         </p:nvSpPr>
         <p:spPr>
           <a:xfrm>
-            <a:off x="9660818" y="4242040"/>
-            <a:ext cx="3302913" cy="769441"/>
+            <a:off x="9660819" y="4242040"/>
+            <a:ext cx="2286000" cy="769441"/>
           </a:xfrm>
           <a:prstGeom prst="rect">
             <a:avLst/>
@@ -7012,7 +7005,7 @@
           <p:cNvPr id="13" name="TextBox 12">
             <a:extLst>
               <a:ext uri="{FF2B5EF4-FFF2-40B4-BE49-F238E27FC236}">
-                <a16:creationId xmlns:a16="http://schemas.microsoft.com/office/drawing/2014/main" xmlns="" id="{3D221D2D-9D22-BBFE-703F-F9E61CE015B5}"/>
+                <a16:creationId xmlns:a16="http://schemas.microsoft.com/office/drawing/2014/main" id="{3D221D2D-9D22-BBFE-703F-F9E61CE015B5}"/>
               </a:ext>
             </a:extLst>
           </p:cNvPr>
@@ -7060,7 +7053,7 @@
           <p:cNvPr id="14" name="TextBox 13">
             <a:extLst>
               <a:ext uri="{FF2B5EF4-FFF2-40B4-BE49-F238E27FC236}">
-                <a16:creationId xmlns:a16="http://schemas.microsoft.com/office/drawing/2014/main" xmlns="" id="{881880A9-53CC-1EBC-648F-EB9C48F321D8}"/>
+                <a16:creationId xmlns:a16="http://schemas.microsoft.com/office/drawing/2014/main" id="{881880A9-53CC-1EBC-648F-EB9C48F321D8}"/>
               </a:ext>
             </a:extLst>
           </p:cNvPr>
@@ -7108,7 +7101,7 @@
           <p:cNvPr id="15" name="TextBox 14">
             <a:extLst>
               <a:ext uri="{FF2B5EF4-FFF2-40B4-BE49-F238E27FC236}">
-                <a16:creationId xmlns:a16="http://schemas.microsoft.com/office/drawing/2014/main" xmlns="" id="{34A1F0B7-5832-48DC-FF9F-A7CF8EECC8BD}"/>
+                <a16:creationId xmlns:a16="http://schemas.microsoft.com/office/drawing/2014/main" id="{34A1F0B7-5832-48DC-FF9F-A7CF8EECC8BD}"/>
               </a:ext>
             </a:extLst>
           </p:cNvPr>
@@ -7156,7 +7149,7 @@
           <p:cNvPr id="16" name="직선 화살표 연결선 15">
             <a:extLst>
               <a:ext uri="{FF2B5EF4-FFF2-40B4-BE49-F238E27FC236}">
-                <a16:creationId xmlns:a16="http://schemas.microsoft.com/office/drawing/2014/main" xmlns="" id="{36C06701-27C0-0CAE-3DDF-E1D3361C970F}"/>
+                <a16:creationId xmlns:a16="http://schemas.microsoft.com/office/drawing/2014/main" id="{36C06701-27C0-0CAE-3DDF-E1D3361C970F}"/>
               </a:ext>
             </a:extLst>
           </p:cNvPr>
@@ -7199,7 +7192,7 @@
           <p:cNvPr id="17" name="직선 화살표 연결선 16">
             <a:extLst>
               <a:ext uri="{FF2B5EF4-FFF2-40B4-BE49-F238E27FC236}">
-                <a16:creationId xmlns:a16="http://schemas.microsoft.com/office/drawing/2014/main" xmlns="" id="{2AB7E563-7EBC-2C42-0B1C-F8FABBE2C696}"/>
+                <a16:creationId xmlns:a16="http://schemas.microsoft.com/office/drawing/2014/main" id="{2AB7E563-7EBC-2C42-0B1C-F8FABBE2C696}"/>
               </a:ext>
             </a:extLst>
           </p:cNvPr>
@@ -7240,7 +7233,7 @@
           <p:cNvPr id="18" name="직선 화살표 연결선 17">
             <a:extLst>
               <a:ext uri="{FF2B5EF4-FFF2-40B4-BE49-F238E27FC236}">
-                <a16:creationId xmlns:a16="http://schemas.microsoft.com/office/drawing/2014/main" xmlns="" id="{C38012CD-A73E-90AA-6309-1187C2579F46}"/>
+                <a16:creationId xmlns:a16="http://schemas.microsoft.com/office/drawing/2014/main" id="{C38012CD-A73E-90AA-6309-1187C2579F46}"/>
               </a:ext>
             </a:extLst>
           </p:cNvPr>
@@ -7282,7 +7275,7 @@
           <p:cNvPr id="19" name="직선 화살표 연결선 18">
             <a:extLst>
               <a:ext uri="{FF2B5EF4-FFF2-40B4-BE49-F238E27FC236}">
-                <a16:creationId xmlns:a16="http://schemas.microsoft.com/office/drawing/2014/main" xmlns="" id="{F6E54C16-A7F6-D050-0FB8-19CC459EC51C}"/>
+                <a16:creationId xmlns:a16="http://schemas.microsoft.com/office/drawing/2014/main" id="{F6E54C16-A7F6-D050-0FB8-19CC459EC51C}"/>
               </a:ext>
             </a:extLst>
           </p:cNvPr>
@@ -7323,7 +7316,7 @@
           <p:cNvPr id="20" name="그룹 1021">
             <a:extLst>
               <a:ext uri="{FF2B5EF4-FFF2-40B4-BE49-F238E27FC236}">
-                <a16:creationId xmlns:a16="http://schemas.microsoft.com/office/drawing/2014/main" xmlns="" id="{3B5966C3-2E69-9409-A7B7-09F684BCA18C}"/>
+                <a16:creationId xmlns:a16="http://schemas.microsoft.com/office/drawing/2014/main" id="{3B5966C3-2E69-9409-A7B7-09F684BCA18C}"/>
               </a:ext>
             </a:extLst>
           </p:cNvPr>
@@ -7343,7 +7336,7 @@
             <p:cNvPr id="21" name="Object 71">
               <a:extLst>
                 <a:ext uri="{FF2B5EF4-FFF2-40B4-BE49-F238E27FC236}">
-                  <a16:creationId xmlns:a16="http://schemas.microsoft.com/office/drawing/2014/main" xmlns="" id="{9BB3D9C7-524C-2ECB-5EA4-BADF6061FDE1}"/>
+                  <a16:creationId xmlns:a16="http://schemas.microsoft.com/office/drawing/2014/main" id="{9BB3D9C7-524C-2ECB-5EA4-BADF6061FDE1}"/>
                 </a:ext>
               </a:extLst>
             </p:cNvPr>
@@ -7374,7 +7367,7 @@
           <p:cNvPr id="22" name="TextBox 21">
             <a:extLst>
               <a:ext uri="{FF2B5EF4-FFF2-40B4-BE49-F238E27FC236}">
-                <a16:creationId xmlns:a16="http://schemas.microsoft.com/office/drawing/2014/main" xmlns="" id="{0E57763C-AF2D-6B74-13BD-EC57AFB88E9A}"/>
+                <a16:creationId xmlns:a16="http://schemas.microsoft.com/office/drawing/2014/main" id="{0E57763C-AF2D-6B74-13BD-EC57AFB88E9A}"/>
               </a:ext>
             </a:extLst>
           </p:cNvPr>
@@ -7422,7 +7415,7 @@
           <p:cNvPr id="23" name="그룹 1021">
             <a:extLst>
               <a:ext uri="{FF2B5EF4-FFF2-40B4-BE49-F238E27FC236}">
-                <a16:creationId xmlns:a16="http://schemas.microsoft.com/office/drawing/2014/main" xmlns="" id="{9C4C4FD8-FC12-A61C-9EED-29A1A3498DA6}"/>
+                <a16:creationId xmlns:a16="http://schemas.microsoft.com/office/drawing/2014/main" id="{9C4C4FD8-FC12-A61C-9EED-29A1A3498DA6}"/>
               </a:ext>
             </a:extLst>
           </p:cNvPr>
@@ -7442,7 +7435,7 @@
             <p:cNvPr id="24" name="Object 71">
               <a:extLst>
                 <a:ext uri="{FF2B5EF4-FFF2-40B4-BE49-F238E27FC236}">
-                  <a16:creationId xmlns:a16="http://schemas.microsoft.com/office/drawing/2014/main" xmlns="" id="{16F12E31-8AA2-157E-AFE1-D820F2DB2E8E}"/>
+                  <a16:creationId xmlns:a16="http://schemas.microsoft.com/office/drawing/2014/main" id="{16F12E31-8AA2-157E-AFE1-D820F2DB2E8E}"/>
                 </a:ext>
               </a:extLst>
             </p:cNvPr>
@@ -7473,7 +7466,7 @@
           <p:cNvPr id="25" name="TextBox 24">
             <a:extLst>
               <a:ext uri="{FF2B5EF4-FFF2-40B4-BE49-F238E27FC236}">
-                <a16:creationId xmlns:a16="http://schemas.microsoft.com/office/drawing/2014/main" xmlns="" id="{B04690F3-DEE8-4E91-238D-4897497A6A1C}"/>
+                <a16:creationId xmlns:a16="http://schemas.microsoft.com/office/drawing/2014/main" id="{B04690F3-DEE8-4E91-238D-4897497A6A1C}"/>
               </a:ext>
             </a:extLst>
           </p:cNvPr>
@@ -7521,7 +7514,7 @@
           <p:cNvPr id="26" name="TextBox 25">
             <a:extLst>
               <a:ext uri="{FF2B5EF4-FFF2-40B4-BE49-F238E27FC236}">
-                <a16:creationId xmlns:a16="http://schemas.microsoft.com/office/drawing/2014/main" xmlns="" id="{11095850-8F0E-5C56-CF17-BF9A8AB1B18F}"/>
+                <a16:creationId xmlns:a16="http://schemas.microsoft.com/office/drawing/2014/main" id="{11095850-8F0E-5C56-CF17-BF9A8AB1B18F}"/>
               </a:ext>
             </a:extLst>
           </p:cNvPr>
@@ -7573,7 +7566,7 @@
           <p:cNvPr id="27" name="직선 화살표 연결선 26">
             <a:extLst>
               <a:ext uri="{FF2B5EF4-FFF2-40B4-BE49-F238E27FC236}">
-                <a16:creationId xmlns:a16="http://schemas.microsoft.com/office/drawing/2014/main" xmlns="" id="{D0642274-09C3-03F5-2269-2BBD9CA1771C}"/>
+                <a16:creationId xmlns:a16="http://schemas.microsoft.com/office/drawing/2014/main" id="{D0642274-09C3-03F5-2269-2BBD9CA1771C}"/>
               </a:ext>
             </a:extLst>
           </p:cNvPr>
@@ -7614,7 +7607,7 @@
           <p:cNvPr id="2" name="TextBox 1">
             <a:extLst>
               <a:ext uri="{FF2B5EF4-FFF2-40B4-BE49-F238E27FC236}">
-                <a16:creationId xmlns:a16="http://schemas.microsoft.com/office/drawing/2014/main" xmlns="" id="{2CFA5A68-2FFB-ECC3-A2A0-D9ED0FC5B86A}"/>
+                <a16:creationId xmlns:a16="http://schemas.microsoft.com/office/drawing/2014/main" id="{2CFA5A68-2FFB-ECC3-A2A0-D9ED0FC5B86A}"/>
               </a:ext>
             </a:extLst>
           </p:cNvPr>
@@ -7672,7 +7665,7 @@
           <p:cNvPr id="3" name="직선 연결선 2">
             <a:extLst>
               <a:ext uri="{FF2B5EF4-FFF2-40B4-BE49-F238E27FC236}">
-                <a16:creationId xmlns:a16="http://schemas.microsoft.com/office/drawing/2014/main" xmlns="" id="{290B2ACA-B5C8-6A47-DDA8-05B0C0CC185A}"/>
+                <a16:creationId xmlns:a16="http://schemas.microsoft.com/office/drawing/2014/main" id="{290B2ACA-B5C8-6A47-DDA8-05B0C0CC185A}"/>
               </a:ext>
             </a:extLst>
           </p:cNvPr>
@@ -7720,13 +7713,6 @@
   <p:clrMapOvr>
     <a:masterClrMapping/>
   </p:clrMapOvr>
-  <p:timing>
-    <p:tnLst>
-      <p:par>
-        <p:cTn id="1" dur="indefinite" restart="never" nodeType="tmRoot"/>
-      </p:par>
-    </p:tnLst>
-  </p:timing>
 </p:sld>
 </file>
 
@@ -7752,7 +7738,7 @@
           <p:cNvPr id="5" name="그림 4">
             <a:extLst>
               <a:ext uri="{FF2B5EF4-FFF2-40B4-BE49-F238E27FC236}">
-                <a16:creationId xmlns:a16="http://schemas.microsoft.com/office/drawing/2014/main" xmlns="" id="{E9B70F69-B85D-0361-3544-F3F98D620330}"/>
+                <a16:creationId xmlns:a16="http://schemas.microsoft.com/office/drawing/2014/main" id="{E9B70F69-B85D-0361-3544-F3F98D620330}"/>
               </a:ext>
             </a:extLst>
           </p:cNvPr>
@@ -7782,7 +7768,7 @@
           <p:cNvPr id="7" name="그림 6">
             <a:extLst>
               <a:ext uri="{FF2B5EF4-FFF2-40B4-BE49-F238E27FC236}">
-                <a16:creationId xmlns:a16="http://schemas.microsoft.com/office/drawing/2014/main" xmlns="" id="{0F6CB6BB-7EC3-1841-2B12-9709A378F79D}"/>
+                <a16:creationId xmlns:a16="http://schemas.microsoft.com/office/drawing/2014/main" id="{0F6CB6BB-7EC3-1841-2B12-9709A378F79D}"/>
               </a:ext>
             </a:extLst>
           </p:cNvPr>
@@ -7812,7 +7798,7 @@
           <p:cNvPr id="9" name="그림 8">
             <a:extLst>
               <a:ext uri="{FF2B5EF4-FFF2-40B4-BE49-F238E27FC236}">
-                <a16:creationId xmlns:a16="http://schemas.microsoft.com/office/drawing/2014/main" xmlns="" id="{F597DBDC-FAEA-7E62-7E2D-B38E83E2E6F7}"/>
+                <a16:creationId xmlns:a16="http://schemas.microsoft.com/office/drawing/2014/main" id="{F597DBDC-FAEA-7E62-7E2D-B38E83E2E6F7}"/>
               </a:ext>
             </a:extLst>
           </p:cNvPr>
@@ -7842,7 +7828,7 @@
           <p:cNvPr id="2" name="TextBox 1">
             <a:extLst>
               <a:ext uri="{FF2B5EF4-FFF2-40B4-BE49-F238E27FC236}">
-                <a16:creationId xmlns:a16="http://schemas.microsoft.com/office/drawing/2014/main" xmlns="" id="{506CF76B-C171-3D69-F233-1D762B8942CB}"/>
+                <a16:creationId xmlns:a16="http://schemas.microsoft.com/office/drawing/2014/main" id="{506CF76B-C171-3D69-F233-1D762B8942CB}"/>
               </a:ext>
             </a:extLst>
           </p:cNvPr>
@@ -7900,7 +7886,7 @@
           <p:cNvPr id="3" name="직선 연결선 2">
             <a:extLst>
               <a:ext uri="{FF2B5EF4-FFF2-40B4-BE49-F238E27FC236}">
-                <a16:creationId xmlns:a16="http://schemas.microsoft.com/office/drawing/2014/main" xmlns="" id="{2B855A33-9B6C-C7A4-3E58-88D4A9175331}"/>
+                <a16:creationId xmlns:a16="http://schemas.microsoft.com/office/drawing/2014/main" id="{2B855A33-9B6C-C7A4-3E58-88D4A9175331}"/>
               </a:ext>
             </a:extLst>
           </p:cNvPr>
@@ -7943,7 +7929,7 @@
           <p:cNvPr id="4" name="직선 화살표 연결선 3">
             <a:extLst>
               <a:ext uri="{FF2B5EF4-FFF2-40B4-BE49-F238E27FC236}">
-                <a16:creationId xmlns:a16="http://schemas.microsoft.com/office/drawing/2014/main" xmlns="" id="{5E672A4D-8525-B249-9934-9F98B3E70F78}"/>
+                <a16:creationId xmlns:a16="http://schemas.microsoft.com/office/drawing/2014/main" id="{5E672A4D-8525-B249-9934-9F98B3E70F78}"/>
               </a:ext>
             </a:extLst>
           </p:cNvPr>
@@ -7984,7 +7970,7 @@
           <p:cNvPr id="6" name="직사각형 5">
             <a:extLst>
               <a:ext uri="{FF2B5EF4-FFF2-40B4-BE49-F238E27FC236}">
-                <a16:creationId xmlns:a16="http://schemas.microsoft.com/office/drawing/2014/main" xmlns="" id="{34477A18-D484-F3B5-262E-0BAA67CA6ACC}"/>
+                <a16:creationId xmlns:a16="http://schemas.microsoft.com/office/drawing/2014/main" id="{34477A18-D484-F3B5-262E-0BAA67CA6ACC}"/>
               </a:ext>
             </a:extLst>
           </p:cNvPr>
@@ -8036,7 +8022,7 @@
           <p:cNvPr id="8" name="TextBox 7">
             <a:extLst>
               <a:ext uri="{FF2B5EF4-FFF2-40B4-BE49-F238E27FC236}">
-                <a16:creationId xmlns:a16="http://schemas.microsoft.com/office/drawing/2014/main" xmlns="" id="{3E8350D8-EE1E-7AF5-2D45-663D895294CB}"/>
+                <a16:creationId xmlns:a16="http://schemas.microsoft.com/office/drawing/2014/main" id="{3E8350D8-EE1E-7AF5-2D45-663D895294CB}"/>
               </a:ext>
             </a:extLst>
           </p:cNvPr>
@@ -8144,13 +8130,6 @@
   <p:clrMapOvr>
     <a:masterClrMapping/>
   </p:clrMapOvr>
-  <p:timing>
-    <p:tnLst>
-      <p:par>
-        <p:cTn id="1" dur="indefinite" restart="never" nodeType="tmRoot"/>
-      </p:par>
-    </p:tnLst>
-  </p:timing>
 </p:sld>
 </file>
 
@@ -8184,7 +8163,7 @@
           <p:cNvPr id="4" name="Object 1">
             <a:extLst>
               <a:ext uri="{FF2B5EF4-FFF2-40B4-BE49-F238E27FC236}">
-                <a16:creationId xmlns:a16="http://schemas.microsoft.com/office/drawing/2014/main" xmlns="" id="{B0329035-BE76-33A8-0F2E-44624FCC1DED}"/>
+                <a16:creationId xmlns:a16="http://schemas.microsoft.com/office/drawing/2014/main" id="{B0329035-BE76-33A8-0F2E-44624FCC1DED}"/>
               </a:ext>
             </a:extLst>
           </p:cNvPr>
@@ -8214,7 +8193,7 @@
           <p:cNvPr id="7" name="그룹 1001">
             <a:extLst>
               <a:ext uri="{FF2B5EF4-FFF2-40B4-BE49-F238E27FC236}">
-                <a16:creationId xmlns:a16="http://schemas.microsoft.com/office/drawing/2014/main" xmlns="" id="{CD24CE9D-AC18-B6CD-F397-7E8E03D6FE26}"/>
+                <a16:creationId xmlns:a16="http://schemas.microsoft.com/office/drawing/2014/main" id="{CD24CE9D-AC18-B6CD-F397-7E8E03D6FE26}"/>
               </a:ext>
             </a:extLst>
           </p:cNvPr>
@@ -8234,7 +8213,7 @@
             <p:cNvPr id="8" name="Object 5">
               <a:extLst>
                 <a:ext uri="{FF2B5EF4-FFF2-40B4-BE49-F238E27FC236}">
-                  <a16:creationId xmlns:a16="http://schemas.microsoft.com/office/drawing/2014/main" xmlns="" id="{0EEF25E8-3BA8-EBAA-6DC2-66D70C3F9F4D}"/>
+                  <a16:creationId xmlns:a16="http://schemas.microsoft.com/office/drawing/2014/main" id="{0EEF25E8-3BA8-EBAA-6DC2-66D70C3F9F4D}"/>
                 </a:ext>
               </a:extLst>
             </p:cNvPr>
@@ -8265,7 +8244,7 @@
           <p:cNvPr id="9" name="그룹 1002">
             <a:extLst>
               <a:ext uri="{FF2B5EF4-FFF2-40B4-BE49-F238E27FC236}">
-                <a16:creationId xmlns:a16="http://schemas.microsoft.com/office/drawing/2014/main" xmlns="" id="{0F281BC9-DE1F-D1FE-E64C-C4640398F00C}"/>
+                <a16:creationId xmlns:a16="http://schemas.microsoft.com/office/drawing/2014/main" id="{0F281BC9-DE1F-D1FE-E64C-C4640398F00C}"/>
               </a:ext>
             </a:extLst>
           </p:cNvPr>
@@ -8285,7 +8264,7 @@
             <p:cNvPr id="10" name="Object 8">
               <a:extLst>
                 <a:ext uri="{FF2B5EF4-FFF2-40B4-BE49-F238E27FC236}">
-                  <a16:creationId xmlns:a16="http://schemas.microsoft.com/office/drawing/2014/main" xmlns="" id="{F669DCEF-04BB-7046-3F7F-5B513213556E}"/>
+                  <a16:creationId xmlns:a16="http://schemas.microsoft.com/office/drawing/2014/main" id="{F669DCEF-04BB-7046-3F7F-5B513213556E}"/>
                 </a:ext>
               </a:extLst>
             </p:cNvPr>
@@ -8316,7 +8295,7 @@
           <p:cNvPr id="11" name="그룹 1003">
             <a:extLst>
               <a:ext uri="{FF2B5EF4-FFF2-40B4-BE49-F238E27FC236}">
-                <a16:creationId xmlns:a16="http://schemas.microsoft.com/office/drawing/2014/main" xmlns="" id="{1F91EEF9-13EA-BB7F-B056-D35E7DB989AC}"/>
+                <a16:creationId xmlns:a16="http://schemas.microsoft.com/office/drawing/2014/main" id="{1F91EEF9-13EA-BB7F-B056-D35E7DB989AC}"/>
               </a:ext>
             </a:extLst>
           </p:cNvPr>
@@ -8336,7 +8315,7 @@
             <p:cNvPr id="12" name="Object 11">
               <a:extLst>
                 <a:ext uri="{FF2B5EF4-FFF2-40B4-BE49-F238E27FC236}">
-                  <a16:creationId xmlns:a16="http://schemas.microsoft.com/office/drawing/2014/main" xmlns="" id="{2CFFB217-AEFB-2C9E-5F86-6EE19510FFC6}"/>
+                  <a16:creationId xmlns:a16="http://schemas.microsoft.com/office/drawing/2014/main" id="{2CFFB217-AEFB-2C9E-5F86-6EE19510FFC6}"/>
                 </a:ext>
               </a:extLst>
             </p:cNvPr>
@@ -8367,7 +8346,7 @@
           <p:cNvPr id="13" name="그룹 1004">
             <a:extLst>
               <a:ext uri="{FF2B5EF4-FFF2-40B4-BE49-F238E27FC236}">
-                <a16:creationId xmlns:a16="http://schemas.microsoft.com/office/drawing/2014/main" xmlns="" id="{123B9C7E-94E8-E7E1-81BE-D59EA0299187}"/>
+                <a16:creationId xmlns:a16="http://schemas.microsoft.com/office/drawing/2014/main" id="{123B9C7E-94E8-E7E1-81BE-D59EA0299187}"/>
               </a:ext>
             </a:extLst>
           </p:cNvPr>
@@ -8387,7 +8366,7 @@
             <p:cNvPr id="14" name="Object 14">
               <a:extLst>
                 <a:ext uri="{FF2B5EF4-FFF2-40B4-BE49-F238E27FC236}">
-                  <a16:creationId xmlns:a16="http://schemas.microsoft.com/office/drawing/2014/main" xmlns="" id="{B6291552-2D89-A79F-7ACD-EA0EF9A4C389}"/>
+                  <a16:creationId xmlns:a16="http://schemas.microsoft.com/office/drawing/2014/main" id="{B6291552-2D89-A79F-7ACD-EA0EF9A4C389}"/>
                 </a:ext>
               </a:extLst>
             </p:cNvPr>
@@ -8418,7 +8397,7 @@
           <p:cNvPr id="15" name="TextBox 14">
             <a:extLst>
               <a:ext uri="{FF2B5EF4-FFF2-40B4-BE49-F238E27FC236}">
-                <a16:creationId xmlns:a16="http://schemas.microsoft.com/office/drawing/2014/main" xmlns="" id="{7D99763A-FC24-23F5-5BA9-D7B042E0F323}"/>
+                <a16:creationId xmlns:a16="http://schemas.microsoft.com/office/drawing/2014/main" id="{7D99763A-FC24-23F5-5BA9-D7B042E0F323}"/>
               </a:ext>
             </a:extLst>
           </p:cNvPr>
@@ -8496,7 +8475,7 @@
           <p:cNvPr id="5" name="TextBox 4">
             <a:extLst>
               <a:ext uri="{FF2B5EF4-FFF2-40B4-BE49-F238E27FC236}">
-                <a16:creationId xmlns:a16="http://schemas.microsoft.com/office/drawing/2014/main" xmlns="" id="{2E843C5C-F5F0-B014-4B60-31604E120CA8}"/>
+                <a16:creationId xmlns:a16="http://schemas.microsoft.com/office/drawing/2014/main" id="{2E843C5C-F5F0-B014-4B60-31604E120CA8}"/>
               </a:ext>
             </a:extLst>
           </p:cNvPr>
@@ -8795,7 +8774,7 @@
           <p:cNvPr id="7" name="TextBox 6">
             <a:extLst>
               <a:ext uri="{FF2B5EF4-FFF2-40B4-BE49-F238E27FC236}">
-                <a16:creationId xmlns:a16="http://schemas.microsoft.com/office/drawing/2014/main" xmlns="" id="{F1573BBE-058D-47FE-4B71-A1221360D1A1}"/>
+                <a16:creationId xmlns:a16="http://schemas.microsoft.com/office/drawing/2014/main" id="{F1573BBE-058D-47FE-4B71-A1221360D1A1}"/>
               </a:ext>
             </a:extLst>
           </p:cNvPr>
@@ -8858,6 +8837,16 @@
           </a:p>
           <a:p>
             <a:r>
+              <a:rPr lang="ko-KR" altLang="en-US" sz="4000" dirty="0" err="1">
+                <a:solidFill>
+                  <a:srgbClr val="FF0000"/>
+                </a:solidFill>
+                <a:latin typeface="G마켓 산스 Medium" panose="02000000000000000000" pitchFamily="50" charset="-127"/>
+                <a:ea typeface="G마켓 산스 Medium" panose="02000000000000000000" pitchFamily="50" charset="-127"/>
+              </a:rPr>
+              <a:t>오버라이딩은</a:t>
+            </a:r>
+            <a:r>
               <a:rPr lang="ko-KR" altLang="en-US" sz="4000" dirty="0">
                 <a:solidFill>
                   <a:srgbClr val="FF0000"/>
@@ -8865,18 +8854,20 @@
                 <a:latin typeface="G마켓 산스 Medium" panose="02000000000000000000" pitchFamily="50" charset="-127"/>
                 <a:ea typeface="G마켓 산스 Medium" panose="02000000000000000000" pitchFamily="50" charset="-127"/>
               </a:rPr>
-              <a:t>반환타입 외에 모두 </a:t>
-            </a:r>
-            <a:r>
-              <a:rPr lang="ko-KR" altLang="en-US" sz="4000" dirty="0" err="1">
+              <a:t> 반환타입까지 모두 일치해야 한다</a:t>
+            </a:r>
+            <a:r>
+              <a:rPr lang="en-US" altLang="ko-KR" sz="4000" dirty="0">
                 <a:solidFill>
                   <a:srgbClr val="FF0000"/>
                 </a:solidFill>
                 <a:latin typeface="G마켓 산스 Medium" panose="02000000000000000000" pitchFamily="50" charset="-127"/>
                 <a:ea typeface="G마켓 산스 Medium" panose="02000000000000000000" pitchFamily="50" charset="-127"/>
               </a:rPr>
-              <a:t>일치하는것은</a:t>
-            </a:r>
+              <a:t>.</a:t>
+            </a:r>
+          </a:p>
+          <a:p>
             <a:r>
               <a:rPr lang="ko-KR" altLang="en-US" sz="4000" dirty="0">
                 <a:solidFill>
@@ -8885,39 +8876,7 @@
                 <a:latin typeface="G마켓 산스 Medium" panose="02000000000000000000" pitchFamily="50" charset="-127"/>
                 <a:ea typeface="G마켓 산스 Medium" panose="02000000000000000000" pitchFamily="50" charset="-127"/>
               </a:rPr>
-              <a:t> 오버로딩의 조건이다</a:t>
-            </a:r>
-            <a:r>
-              <a:rPr lang="en-US" altLang="ko-KR" sz="4000" dirty="0">
-                <a:solidFill>
-                  <a:srgbClr val="FF0000"/>
-                </a:solidFill>
-                <a:latin typeface="G마켓 산스 Medium" panose="02000000000000000000" pitchFamily="50" charset="-127"/>
-                <a:ea typeface="G마켓 산스 Medium" panose="02000000000000000000" pitchFamily="50" charset="-127"/>
-              </a:rPr>
-              <a:t>.</a:t>
-            </a:r>
-          </a:p>
-          <a:p>
-            <a:r>
-              <a:rPr lang="ko-KR" altLang="en-US" sz="4000" dirty="0" err="1">
-                <a:solidFill>
-                  <a:srgbClr val="FF0000"/>
-                </a:solidFill>
-                <a:latin typeface="G마켓 산스 Medium" panose="02000000000000000000" pitchFamily="50" charset="-127"/>
-                <a:ea typeface="G마켓 산스 Medium" panose="02000000000000000000" pitchFamily="50" charset="-127"/>
-              </a:rPr>
-              <a:t>오버라이딩은</a:t>
-            </a:r>
-            <a:r>
-              <a:rPr lang="ko-KR" altLang="en-US" sz="4000" dirty="0">
-                <a:solidFill>
-                  <a:srgbClr val="FF0000"/>
-                </a:solidFill>
-                <a:latin typeface="G마켓 산스 Medium" panose="02000000000000000000" pitchFamily="50" charset="-127"/>
-                <a:ea typeface="G마켓 산스 Medium" panose="02000000000000000000" pitchFamily="50" charset="-127"/>
-              </a:rPr>
-              <a:t> 반환타입까지 모두 일치해야 한다</a:t>
+              <a:t>오버로딩은 메서드의 이름만 같고 매개변수는 달라야 한다</a:t>
             </a:r>
             <a:r>
               <a:rPr lang="en-US" altLang="ko-KR" sz="4000" dirty="0">
@@ -8937,7 +8896,7 @@
           <p:cNvPr id="3" name="TextBox 2">
             <a:extLst>
               <a:ext uri="{FF2B5EF4-FFF2-40B4-BE49-F238E27FC236}">
-                <a16:creationId xmlns:a16="http://schemas.microsoft.com/office/drawing/2014/main" xmlns="" id="{207DAC9E-CF58-25E0-0D11-8140C8142DED}"/>
+                <a16:creationId xmlns:a16="http://schemas.microsoft.com/office/drawing/2014/main" id="{207DAC9E-CF58-25E0-0D11-8140C8142DED}"/>
               </a:ext>
             </a:extLst>
           </p:cNvPr>
@@ -8998,7 +8957,7 @@
           <p:cNvPr id="6" name="직선 연결선 5">
             <a:extLst>
               <a:ext uri="{FF2B5EF4-FFF2-40B4-BE49-F238E27FC236}">
-                <a16:creationId xmlns:a16="http://schemas.microsoft.com/office/drawing/2014/main" xmlns="" id="{65959BB1-B2F8-5C7D-F921-5128E791E59E}"/>
+                <a16:creationId xmlns:a16="http://schemas.microsoft.com/office/drawing/2014/main" id="{65959BB1-B2F8-5C7D-F921-5128E791E59E}"/>
               </a:ext>
             </a:extLst>
           </p:cNvPr>
@@ -9200,7 +9159,7 @@
           <p:cNvPr id="8" name="TextBox 7">
             <a:extLst>
               <a:ext uri="{FF2B5EF4-FFF2-40B4-BE49-F238E27FC236}">
-                <a16:creationId xmlns:a16="http://schemas.microsoft.com/office/drawing/2014/main" xmlns="" id="{7333F3B6-809E-F4FF-1B40-D3667BC879D0}"/>
+                <a16:creationId xmlns:a16="http://schemas.microsoft.com/office/drawing/2014/main" id="{7333F3B6-809E-F4FF-1B40-D3667BC879D0}"/>
               </a:ext>
             </a:extLst>
           </p:cNvPr>
@@ -9261,7 +9220,7 @@
           <p:cNvPr id="9" name="직선 연결선 8">
             <a:extLst>
               <a:ext uri="{FF2B5EF4-FFF2-40B4-BE49-F238E27FC236}">
-                <a16:creationId xmlns:a16="http://schemas.microsoft.com/office/drawing/2014/main" xmlns="" id="{F5575563-D607-E1ED-EE16-3A73252D5CB3}"/>
+                <a16:creationId xmlns:a16="http://schemas.microsoft.com/office/drawing/2014/main" id="{F5575563-D607-E1ED-EE16-3A73252D5CB3}"/>
               </a:ext>
             </a:extLst>
           </p:cNvPr>
@@ -9304,7 +9263,7 @@
           <p:cNvPr id="10" name="TextBox 9">
             <a:extLst>
               <a:ext uri="{FF2B5EF4-FFF2-40B4-BE49-F238E27FC236}">
-                <a16:creationId xmlns:a16="http://schemas.microsoft.com/office/drawing/2014/main" xmlns="" id="{D9AD5563-D97E-FF0C-54B3-56D7D7AF408E}"/>
+                <a16:creationId xmlns:a16="http://schemas.microsoft.com/office/drawing/2014/main" id="{D9AD5563-D97E-FF0C-54B3-56D7D7AF408E}"/>
               </a:ext>
             </a:extLst>
           </p:cNvPr>
@@ -9370,6 +9329,58 @@
               </a:rPr>
               <a:t>?</a:t>
             </a:r>
+          </a:p>
+        </p:txBody>
+      </p:sp>
+      <p:sp>
+        <p:nvSpPr>
+          <p:cNvPr id="11" name="직사각형 10">
+            <a:extLst>
+              <a:ext uri="{FF2B5EF4-FFF2-40B4-BE49-F238E27FC236}">
+                <a16:creationId xmlns:a16="http://schemas.microsoft.com/office/drawing/2014/main" id="{371CF59F-AE9A-9E30-29D0-4158508CDB2C}"/>
+              </a:ext>
+            </a:extLst>
+          </p:cNvPr>
+          <p:cNvSpPr/>
+          <p:nvPr/>
+        </p:nvSpPr>
+        <p:spPr>
+          <a:xfrm>
+            <a:off x="7272321" y="2413000"/>
+            <a:ext cx="10405592" cy="4559300"/>
+          </a:xfrm>
+          <a:prstGeom prst="rect">
+            <a:avLst/>
+          </a:prstGeom>
+          <a:solidFill>
+            <a:schemeClr val="bg1"/>
+          </a:solidFill>
+          <a:ln>
+            <a:noFill/>
+          </a:ln>
+        </p:spPr>
+        <p:style>
+          <a:lnRef idx="2">
+            <a:schemeClr val="accent1">
+              <a:shade val="15000"/>
+            </a:schemeClr>
+          </a:lnRef>
+          <a:fillRef idx="1">
+            <a:schemeClr val="accent1"/>
+          </a:fillRef>
+          <a:effectRef idx="0">
+            <a:schemeClr val="accent1"/>
+          </a:effectRef>
+          <a:fontRef idx="minor">
+            <a:schemeClr val="lt1"/>
+          </a:fontRef>
+        </p:style>
+        <p:txBody>
+          <a:bodyPr rtlCol="0" anchor="ctr"/>
+          <a:lstStyle/>
+          <a:p>
+            <a:pPr algn="ctr"/>
+            <a:endParaRPr lang="ko-KR" altLang="en-US"/>
           </a:p>
         </p:txBody>
       </p:sp>
@@ -9386,9 +9397,80 @@
   <p:timing>
     <p:tnLst>
       <p:par>
-        <p:cTn id="1" dur="indefinite" restart="never" nodeType="tmRoot"/>
+        <p:cTn id="1" dur="indefinite" restart="never" nodeType="tmRoot">
+          <p:childTnLst>
+            <p:seq concurrent="1" nextAc="seek">
+              <p:cTn id="2" dur="indefinite" nodeType="mainSeq">
+                <p:childTnLst>
+                  <p:par>
+                    <p:cTn id="3" fill="hold">
+                      <p:stCondLst>
+                        <p:cond delay="indefinite"/>
+                      </p:stCondLst>
+                      <p:childTnLst>
+                        <p:par>
+                          <p:cTn id="4" fill="hold">
+                            <p:stCondLst>
+                              <p:cond delay="0"/>
+                            </p:stCondLst>
+                            <p:childTnLst>
+                              <p:par>
+                                <p:cTn id="5" presetID="1" presetClass="exit" presetSubtype="0" fill="hold" grpId="0" nodeType="clickEffect">
+                                  <p:stCondLst>
+                                    <p:cond delay="0"/>
+                                  </p:stCondLst>
+                                  <p:childTnLst>
+                                    <p:set>
+                                      <p:cBhvr>
+                                        <p:cTn id="6" dur="1" fill="hold">
+                                          <p:stCondLst>
+                                            <p:cond delay="0"/>
+                                          </p:stCondLst>
+                                        </p:cTn>
+                                        <p:tgtEl>
+                                          <p:spTgt spid="11"/>
+                                        </p:tgtEl>
+                                        <p:attrNameLst>
+                                          <p:attrName>style.visibility</p:attrName>
+                                        </p:attrNameLst>
+                                      </p:cBhvr>
+                                      <p:to>
+                                        <p:strVal val="hidden"/>
+                                      </p:to>
+                                    </p:set>
+                                  </p:childTnLst>
+                                </p:cTn>
+                              </p:par>
+                            </p:childTnLst>
+                          </p:cTn>
+                        </p:par>
+                      </p:childTnLst>
+                    </p:cTn>
+                  </p:par>
+                </p:childTnLst>
+              </p:cTn>
+              <p:prevCondLst>
+                <p:cond evt="onPrev" delay="0">
+                  <p:tgtEl>
+                    <p:sldTgt/>
+                  </p:tgtEl>
+                </p:cond>
+              </p:prevCondLst>
+              <p:nextCondLst>
+                <p:cond evt="onNext" delay="0">
+                  <p:tgtEl>
+                    <p:sldTgt/>
+                  </p:tgtEl>
+                </p:cond>
+              </p:nextCondLst>
+            </p:seq>
+          </p:childTnLst>
+        </p:cTn>
       </p:par>
     </p:tnLst>
+    <p:bldLst>
+      <p:bldP spid="11" grpId="0" animBg="1"/>
+    </p:bldLst>
   </p:timing>
 </p:sld>
 </file>
@@ -9415,7 +9497,7 @@
           <p:cNvPr id="4" name="TextBox 3">
             <a:extLst>
               <a:ext uri="{FF2B5EF4-FFF2-40B4-BE49-F238E27FC236}">
-                <a16:creationId xmlns:a16="http://schemas.microsoft.com/office/drawing/2014/main" xmlns="" id="{2E843C5C-F5F0-B014-4B60-31604E120CA8}"/>
+                <a16:creationId xmlns:a16="http://schemas.microsoft.com/office/drawing/2014/main" id="{2E843C5C-F5F0-B014-4B60-31604E120CA8}"/>
               </a:ext>
             </a:extLst>
           </p:cNvPr>
@@ -9887,7 +9969,7 @@
           </a:p>
           <a:p>
             <a:r>
-              <a:rPr lang="en-US" altLang="ko-KR" sz="2800">
+              <a:rPr lang="en-US" altLang="ko-KR" sz="2800" dirty="0">
                 <a:solidFill>
                   <a:schemeClr val="bg1">
                     <a:lumMod val="50000"/>
@@ -9899,7 +9981,7 @@
               <a:t>                                        </a:t>
             </a:r>
             <a:r>
-              <a:rPr lang="en-US" altLang="ko-KR" sz="2800" smtClean="0">
+              <a:rPr lang="ko-KR" altLang="en-US" sz="2800" dirty="0">
                 <a:solidFill>
                   <a:schemeClr val="bg1">
                     <a:lumMod val="50000"/>
@@ -9908,19 +9990,7 @@
                 <a:latin typeface="G마켓 산스 Medium" panose="02000000000000000000" pitchFamily="50" charset="-127"/>
                 <a:ea typeface="G마켓 산스 Medium" panose="02000000000000000000" pitchFamily="50" charset="-127"/>
               </a:rPr>
-              <a:t>              </a:t>
-            </a:r>
-            <a:r>
-              <a:rPr lang="ko-KR" altLang="en-US" sz="2800" smtClean="0">
-                <a:solidFill>
-                  <a:schemeClr val="bg1">
-                    <a:lumMod val="50000"/>
-                  </a:schemeClr>
-                </a:solidFill>
-                <a:latin typeface="G마켓 산스 Medium" panose="02000000000000000000" pitchFamily="50" charset="-127"/>
-                <a:ea typeface="G마켓 산스 Medium" panose="02000000000000000000" pitchFamily="50" charset="-127"/>
-              </a:rPr>
-              <a:t>삼각형 </a:t>
+              <a:t>원 </a:t>
             </a:r>
             <a:r>
               <a:rPr lang="en-US" altLang="ko-KR" sz="2800" dirty="0">
@@ -10219,7 +10289,7 @@
           <p:cNvPr id="3" name="TextBox 2">
             <a:extLst>
               <a:ext uri="{FF2B5EF4-FFF2-40B4-BE49-F238E27FC236}">
-                <a16:creationId xmlns:a16="http://schemas.microsoft.com/office/drawing/2014/main" xmlns="" id="{09B519B1-B171-6121-E4F7-87A1348ACEA6}"/>
+                <a16:creationId xmlns:a16="http://schemas.microsoft.com/office/drawing/2014/main" id="{09B519B1-B171-6121-E4F7-87A1348ACEA6}"/>
               </a:ext>
             </a:extLst>
           </p:cNvPr>
@@ -10280,7 +10350,7 @@
           <p:cNvPr id="5" name="직선 연결선 4">
             <a:extLst>
               <a:ext uri="{FF2B5EF4-FFF2-40B4-BE49-F238E27FC236}">
-                <a16:creationId xmlns:a16="http://schemas.microsoft.com/office/drawing/2014/main" xmlns="" id="{54474E91-ACC8-BCA0-33C0-80435CB79A2F}"/>
+                <a16:creationId xmlns:a16="http://schemas.microsoft.com/office/drawing/2014/main" id="{54474E91-ACC8-BCA0-33C0-80435CB79A2F}"/>
               </a:ext>
             </a:extLst>
           </p:cNvPr>
@@ -10323,7 +10393,7 @@
           <p:cNvPr id="7" name="그림 6">
             <a:extLst>
               <a:ext uri="{FF2B5EF4-FFF2-40B4-BE49-F238E27FC236}">
-                <a16:creationId xmlns:a16="http://schemas.microsoft.com/office/drawing/2014/main" xmlns="" id="{CD25C79A-7AD0-17FD-7E57-096CAEFE8DFC}"/>
+                <a16:creationId xmlns:a16="http://schemas.microsoft.com/office/drawing/2014/main" id="{CD25C79A-7AD0-17FD-7E57-096CAEFE8DFC}"/>
               </a:ext>
             </a:extLst>
           </p:cNvPr>
@@ -10418,7 +10488,7 @@
         </p:blipFill>
         <p:spPr>
           <a:xfrm>
-            <a:off x="9906468" y="1234440"/>
+            <a:off x="8000999" y="1257300"/>
             <a:ext cx="8003939" cy="8854358"/>
           </a:xfrm>
           <a:prstGeom prst="rect">
@@ -10431,7 +10501,7 @@
           <p:cNvPr id="6" name="직사각형 5">
             <a:extLst>
               <a:ext uri="{FF2B5EF4-FFF2-40B4-BE49-F238E27FC236}">
-                <a16:creationId xmlns:a16="http://schemas.microsoft.com/office/drawing/2014/main" xmlns="" id="{FFF506F9-840A-0508-4CAF-3AC711D8D5CE}"/>
+                <a16:creationId xmlns:a16="http://schemas.microsoft.com/office/drawing/2014/main" id="{FFF506F9-840A-0508-4CAF-3AC711D8D5CE}"/>
               </a:ext>
             </a:extLst>
           </p:cNvPr>
@@ -10440,8 +10510,8 @@
         </p:nvSpPr>
         <p:spPr>
           <a:xfrm>
-            <a:off x="1371600" y="2400300"/>
-            <a:ext cx="3200400" cy="1600200"/>
+            <a:off x="1524000" y="1772990"/>
+            <a:ext cx="2574523" cy="1503182"/>
           </a:xfrm>
           <a:prstGeom prst="rect">
             <a:avLst/>
@@ -10483,7 +10553,7 @@
           <p:cNvPr id="2" name="TextBox 1">
             <a:extLst>
               <a:ext uri="{FF2B5EF4-FFF2-40B4-BE49-F238E27FC236}">
-                <a16:creationId xmlns:a16="http://schemas.microsoft.com/office/drawing/2014/main" xmlns="" id="{B87D62A4-BF0A-B22A-1D0E-A2D16DC104C1}"/>
+                <a16:creationId xmlns:a16="http://schemas.microsoft.com/office/drawing/2014/main" id="{B87D62A4-BF0A-B22A-1D0E-A2D16DC104C1}"/>
               </a:ext>
             </a:extLst>
           </p:cNvPr>
@@ -10541,7 +10611,7 @@
           <p:cNvPr id="3" name="직선 연결선 2">
             <a:extLst>
               <a:ext uri="{FF2B5EF4-FFF2-40B4-BE49-F238E27FC236}">
-                <a16:creationId xmlns:a16="http://schemas.microsoft.com/office/drawing/2014/main" xmlns="" id="{0634BBD4-0678-C242-150E-6A5D0B21F195}"/>
+                <a16:creationId xmlns:a16="http://schemas.microsoft.com/office/drawing/2014/main" id="{0634BBD4-0678-C242-150E-6A5D0B21F195}"/>
               </a:ext>
             </a:extLst>
           </p:cNvPr>
@@ -10579,504 +10649,6 @@
           </a:fontRef>
         </p:style>
       </p:cxnSp>
-      <p:sp>
-        <p:nvSpPr>
-          <p:cNvPr id="10" name="TextBox 9">
-            <a:extLst>
-              <a:ext uri="{FF2B5EF4-FFF2-40B4-BE49-F238E27FC236}">
-                <a16:creationId xmlns:a16="http://schemas.microsoft.com/office/drawing/2014/main" xmlns="" id="{C6D113C6-EA5C-788F-0C77-E7CE6EBB865F}"/>
-              </a:ext>
-            </a:extLst>
-          </p:cNvPr>
-          <p:cNvSpPr txBox="1"/>
-          <p:nvPr/>
-        </p:nvSpPr>
-        <p:spPr>
-          <a:xfrm>
-            <a:off x="4572000" y="6357955"/>
-            <a:ext cx="2819400" cy="830997"/>
-          </a:xfrm>
-          <a:prstGeom prst="rect">
-            <a:avLst/>
-          </a:prstGeom>
-          <a:noFill/>
-        </p:spPr>
-        <p:txBody>
-          <a:bodyPr wrap="square" rtlCol="0">
-            <a:spAutoFit/>
-          </a:bodyPr>
-          <a:lstStyle/>
-          <a:p>
-            <a:r>
-              <a:rPr lang="ko-KR" altLang="en-US" sz="2400" smtClean="0">
-                <a:solidFill>
-                  <a:srgbClr val="FF0000"/>
-                </a:solidFill>
-                <a:latin typeface="G마켓 산스 Medium" panose="02000000000000000000" pitchFamily="50" charset="-127"/>
-                <a:ea typeface="G마켓 산스 Medium" panose="02000000000000000000" pitchFamily="50" charset="-127"/>
-              </a:rPr>
-              <a:t>반지름을 생성자로 초기화 한다</a:t>
-            </a:r>
-            <a:r>
-              <a:rPr lang="en-US" altLang="ko-KR" sz="2400" smtClean="0">
-                <a:solidFill>
-                  <a:srgbClr val="FF0000"/>
-                </a:solidFill>
-                <a:latin typeface="G마켓 산스 Medium" panose="02000000000000000000" pitchFamily="50" charset="-127"/>
-                <a:ea typeface="G마켓 산스 Medium" panose="02000000000000000000" pitchFamily="50" charset="-127"/>
-              </a:rPr>
-              <a:t>.</a:t>
-            </a:r>
-            <a:endParaRPr lang="en-US" altLang="ko-KR" sz="2400" dirty="0">
-              <a:solidFill>
-                <a:srgbClr val="FF0000"/>
-              </a:solidFill>
-              <a:latin typeface="G마켓 산스 Medium" panose="02000000000000000000" pitchFamily="50" charset="-127"/>
-              <a:ea typeface="G마켓 산스 Medium" panose="02000000000000000000" pitchFamily="50" charset="-127"/>
-            </a:endParaRPr>
-          </a:p>
-        </p:txBody>
-      </p:sp>
-      <p:sp>
-        <p:nvSpPr>
-          <p:cNvPr id="11" name="직사각형 10">
-            <a:extLst>
-              <a:ext uri="{FF2B5EF4-FFF2-40B4-BE49-F238E27FC236}">
-                <a16:creationId xmlns:a16="http://schemas.microsoft.com/office/drawing/2014/main" xmlns="" id="{FFF506F9-840A-0508-4CAF-3AC711D8D5CE}"/>
-              </a:ext>
-            </a:extLst>
-          </p:cNvPr>
-          <p:cNvSpPr/>
-          <p:nvPr/>
-        </p:nvSpPr>
-        <p:spPr>
-          <a:xfrm>
-            <a:off x="1371600" y="5973354"/>
-            <a:ext cx="3200400" cy="1600200"/>
-          </a:xfrm>
-          <a:prstGeom prst="rect">
-            <a:avLst/>
-          </a:prstGeom>
-          <a:noFill/>
-          <a:ln>
-            <a:solidFill>
-              <a:srgbClr val="FF0000"/>
-            </a:solidFill>
-          </a:ln>
-        </p:spPr>
-        <p:style>
-          <a:lnRef idx="2">
-            <a:schemeClr val="accent2">
-              <a:shade val="50000"/>
-            </a:schemeClr>
-          </a:lnRef>
-          <a:fillRef idx="1">
-            <a:schemeClr val="accent2"/>
-          </a:fillRef>
-          <a:effectRef idx="0">
-            <a:schemeClr val="accent2"/>
-          </a:effectRef>
-          <a:fontRef idx="minor">
-            <a:schemeClr val="lt1"/>
-          </a:fontRef>
-        </p:style>
-        <p:txBody>
-          <a:bodyPr rtlCol="0" anchor="ctr"/>
-          <a:lstStyle/>
-          <a:p>
-            <a:pPr algn="ctr"/>
-            <a:endParaRPr lang="ko-KR" altLang="en-US"/>
-          </a:p>
-        </p:txBody>
-      </p:sp>
-      <p:sp>
-        <p:nvSpPr>
-          <p:cNvPr id="12" name="TextBox 11">
-            <a:extLst>
-              <a:ext uri="{FF2B5EF4-FFF2-40B4-BE49-F238E27FC236}">
-                <a16:creationId xmlns:a16="http://schemas.microsoft.com/office/drawing/2014/main" xmlns="" id="{C6D113C6-EA5C-788F-0C77-E7CE6EBB865F}"/>
-              </a:ext>
-            </a:extLst>
-          </p:cNvPr>
-          <p:cNvSpPr txBox="1"/>
-          <p:nvPr/>
-        </p:nvSpPr>
-        <p:spPr>
-          <a:xfrm>
-            <a:off x="6172200" y="8309320"/>
-            <a:ext cx="3633694" cy="1569660"/>
-          </a:xfrm>
-          <a:prstGeom prst="rect">
-            <a:avLst/>
-          </a:prstGeom>
-          <a:noFill/>
-        </p:spPr>
-        <p:txBody>
-          <a:bodyPr wrap="square" rtlCol="0">
-            <a:spAutoFit/>
-          </a:bodyPr>
-          <a:lstStyle/>
-          <a:p>
-            <a:r>
-              <a:rPr lang="ko-KR" altLang="en-US" sz="2400" smtClean="0">
-                <a:solidFill>
-                  <a:srgbClr val="FF0000"/>
-                </a:solidFill>
-                <a:latin typeface="G마켓 산스 Medium" panose="02000000000000000000" pitchFamily="50" charset="-127"/>
-                <a:ea typeface="G마켓 산스 Medium" panose="02000000000000000000" pitchFamily="50" charset="-127"/>
-              </a:rPr>
-              <a:t>면적은 도형마다 공식이 다르다 </a:t>
-            </a:r>
-            <a:endParaRPr lang="en-US" altLang="ko-KR" sz="2400" smtClean="0">
-              <a:solidFill>
-                <a:srgbClr val="FF0000"/>
-              </a:solidFill>
-              <a:latin typeface="G마켓 산스 Medium" panose="02000000000000000000" pitchFamily="50" charset="-127"/>
-              <a:ea typeface="G마켓 산스 Medium" panose="02000000000000000000" pitchFamily="50" charset="-127"/>
-            </a:endParaRPr>
-          </a:p>
-          <a:p>
-            <a:r>
-              <a:rPr lang="ko-KR" altLang="en-US" sz="2400" smtClean="0">
-                <a:solidFill>
-                  <a:srgbClr val="FF0000"/>
-                </a:solidFill>
-                <a:latin typeface="G마켓 산스 Medium" panose="02000000000000000000" pitchFamily="50" charset="-127"/>
-                <a:ea typeface="G마켓 산스 Medium" panose="02000000000000000000" pitchFamily="50" charset="-127"/>
-              </a:rPr>
-              <a:t>오버라이딩하여 내용을 바꾼다</a:t>
-            </a:r>
-            <a:r>
-              <a:rPr lang="en-US" altLang="ko-KR" sz="2400" smtClean="0">
-                <a:solidFill>
-                  <a:srgbClr val="FF0000"/>
-                </a:solidFill>
-                <a:latin typeface="G마켓 산스 Medium" panose="02000000000000000000" pitchFamily="50" charset="-127"/>
-                <a:ea typeface="G마켓 산스 Medium" panose="02000000000000000000" pitchFamily="50" charset="-127"/>
-              </a:rPr>
-              <a:t>.</a:t>
-            </a:r>
-            <a:endParaRPr lang="en-US" altLang="ko-KR" sz="2400" dirty="0">
-              <a:solidFill>
-                <a:srgbClr val="FF0000"/>
-              </a:solidFill>
-              <a:latin typeface="G마켓 산스 Medium" panose="02000000000000000000" pitchFamily="50" charset="-127"/>
-              <a:ea typeface="G마켓 산스 Medium" panose="02000000000000000000" pitchFamily="50" charset="-127"/>
-            </a:endParaRPr>
-          </a:p>
-        </p:txBody>
-      </p:sp>
-      <p:sp>
-        <p:nvSpPr>
-          <p:cNvPr id="13" name="직사각형 12">
-            <a:extLst>
-              <a:ext uri="{FF2B5EF4-FFF2-40B4-BE49-F238E27FC236}">
-                <a16:creationId xmlns:a16="http://schemas.microsoft.com/office/drawing/2014/main" xmlns="" id="{FFF506F9-840A-0508-4CAF-3AC711D8D5CE}"/>
-              </a:ext>
-            </a:extLst>
-          </p:cNvPr>
-          <p:cNvSpPr/>
-          <p:nvPr/>
-        </p:nvSpPr>
-        <p:spPr>
-          <a:xfrm>
-            <a:off x="1371600" y="7908794"/>
-            <a:ext cx="4800600" cy="1882905"/>
-          </a:xfrm>
-          <a:prstGeom prst="rect">
-            <a:avLst/>
-          </a:prstGeom>
-          <a:noFill/>
-          <a:ln>
-            <a:solidFill>
-              <a:srgbClr val="FF0000"/>
-            </a:solidFill>
-          </a:ln>
-        </p:spPr>
-        <p:style>
-          <a:lnRef idx="2">
-            <a:schemeClr val="accent2">
-              <a:shade val="50000"/>
-            </a:schemeClr>
-          </a:lnRef>
-          <a:fillRef idx="1">
-            <a:schemeClr val="accent2"/>
-          </a:fillRef>
-          <a:effectRef idx="0">
-            <a:schemeClr val="accent2"/>
-          </a:effectRef>
-          <a:fontRef idx="minor">
-            <a:schemeClr val="lt1"/>
-          </a:fontRef>
-        </p:style>
-        <p:txBody>
-          <a:bodyPr rtlCol="0" anchor="ctr"/>
-          <a:lstStyle/>
-          <a:p>
-            <a:pPr algn="ctr"/>
-            <a:endParaRPr lang="ko-KR" altLang="en-US"/>
-          </a:p>
-        </p:txBody>
-      </p:sp>
-      <p:sp>
-        <p:nvSpPr>
-          <p:cNvPr id="14" name="TextBox 13">
-            <a:extLst>
-              <a:ext uri="{FF2B5EF4-FFF2-40B4-BE49-F238E27FC236}">
-                <a16:creationId xmlns:a16="http://schemas.microsoft.com/office/drawing/2014/main" xmlns="" id="{C6D113C6-EA5C-788F-0C77-E7CE6EBB865F}"/>
-              </a:ext>
-            </a:extLst>
-          </p:cNvPr>
-          <p:cNvSpPr txBox="1"/>
-          <p:nvPr/>
-        </p:nvSpPr>
-        <p:spPr>
-          <a:xfrm>
-            <a:off x="14313055" y="4114819"/>
-            <a:ext cx="3633694" cy="1569660"/>
-          </a:xfrm>
-          <a:prstGeom prst="rect">
-            <a:avLst/>
-          </a:prstGeom>
-          <a:noFill/>
-        </p:spPr>
-        <p:txBody>
-          <a:bodyPr wrap="square" rtlCol="0">
-            <a:spAutoFit/>
-          </a:bodyPr>
-          <a:lstStyle/>
-          <a:p>
-            <a:r>
-              <a:rPr lang="ko-KR" altLang="en-US" sz="2400" smtClean="0">
-                <a:solidFill>
-                  <a:srgbClr val="FF0000"/>
-                </a:solidFill>
-                <a:latin typeface="G마켓 산스 Medium" panose="02000000000000000000" pitchFamily="50" charset="-127"/>
-                <a:ea typeface="G마켓 산스 Medium" panose="02000000000000000000" pitchFamily="50" charset="-127"/>
-              </a:rPr>
-              <a:t>면적은 도형마다 공식이 다르다 </a:t>
-            </a:r>
-            <a:endParaRPr lang="en-US" altLang="ko-KR" sz="2400" smtClean="0">
-              <a:solidFill>
-                <a:srgbClr val="FF0000"/>
-              </a:solidFill>
-              <a:latin typeface="G마켓 산스 Medium" panose="02000000000000000000" pitchFamily="50" charset="-127"/>
-              <a:ea typeface="G마켓 산스 Medium" panose="02000000000000000000" pitchFamily="50" charset="-127"/>
-            </a:endParaRPr>
-          </a:p>
-          <a:p>
-            <a:r>
-              <a:rPr lang="ko-KR" altLang="en-US" sz="2400" smtClean="0">
-                <a:solidFill>
-                  <a:srgbClr val="FF0000"/>
-                </a:solidFill>
-                <a:latin typeface="G마켓 산스 Medium" panose="02000000000000000000" pitchFamily="50" charset="-127"/>
-                <a:ea typeface="G마켓 산스 Medium" panose="02000000000000000000" pitchFamily="50" charset="-127"/>
-              </a:rPr>
-              <a:t>오버라이딩하여 내용을 바꾼다</a:t>
-            </a:r>
-            <a:r>
-              <a:rPr lang="en-US" altLang="ko-KR" sz="2400" smtClean="0">
-                <a:solidFill>
-                  <a:srgbClr val="FF0000"/>
-                </a:solidFill>
-                <a:latin typeface="G마켓 산스 Medium" panose="02000000000000000000" pitchFamily="50" charset="-127"/>
-                <a:ea typeface="G마켓 산스 Medium" panose="02000000000000000000" pitchFamily="50" charset="-127"/>
-              </a:rPr>
-              <a:t>.</a:t>
-            </a:r>
-            <a:endParaRPr lang="en-US" altLang="ko-KR" sz="2400" dirty="0">
-              <a:solidFill>
-                <a:srgbClr val="FF0000"/>
-              </a:solidFill>
-              <a:latin typeface="G마켓 산스 Medium" panose="02000000000000000000" pitchFamily="50" charset="-127"/>
-              <a:ea typeface="G마켓 산스 Medium" panose="02000000000000000000" pitchFamily="50" charset="-127"/>
-            </a:endParaRPr>
-          </a:p>
-        </p:txBody>
-      </p:sp>
-      <p:sp>
-        <p:nvSpPr>
-          <p:cNvPr id="15" name="직사각형 14">
-            <a:extLst>
-              <a:ext uri="{FF2B5EF4-FFF2-40B4-BE49-F238E27FC236}">
-                <a16:creationId xmlns:a16="http://schemas.microsoft.com/office/drawing/2014/main" xmlns="" id="{FFF506F9-840A-0508-4CAF-3AC711D8D5CE}"/>
-              </a:ext>
-            </a:extLst>
-          </p:cNvPr>
-          <p:cNvSpPr/>
-          <p:nvPr/>
-        </p:nvSpPr>
-        <p:spPr>
-          <a:xfrm>
-            <a:off x="10363200" y="5809774"/>
-            <a:ext cx="5257800" cy="1882905"/>
-          </a:xfrm>
-          <a:prstGeom prst="rect">
-            <a:avLst/>
-          </a:prstGeom>
-          <a:noFill/>
-          <a:ln>
-            <a:solidFill>
-              <a:srgbClr val="FF0000"/>
-            </a:solidFill>
-          </a:ln>
-        </p:spPr>
-        <p:style>
-          <a:lnRef idx="2">
-            <a:schemeClr val="accent2">
-              <a:shade val="50000"/>
-            </a:schemeClr>
-          </a:lnRef>
-          <a:fillRef idx="1">
-            <a:schemeClr val="accent2"/>
-          </a:fillRef>
-          <a:effectRef idx="0">
-            <a:schemeClr val="accent2"/>
-          </a:effectRef>
-          <a:fontRef idx="minor">
-            <a:schemeClr val="lt1"/>
-          </a:fontRef>
-        </p:style>
-        <p:txBody>
-          <a:bodyPr rtlCol="0" anchor="ctr"/>
-          <a:lstStyle/>
-          <a:p>
-            <a:pPr algn="ctr"/>
-            <a:endParaRPr lang="ko-KR" altLang="en-US"/>
-          </a:p>
-        </p:txBody>
-      </p:sp>
-      <p:sp>
-        <p:nvSpPr>
-          <p:cNvPr id="16" name="직사각형 15">
-            <a:extLst>
-              <a:ext uri="{FF2B5EF4-FFF2-40B4-BE49-F238E27FC236}">
-                <a16:creationId xmlns:a16="http://schemas.microsoft.com/office/drawing/2014/main" xmlns="" id="{FFF506F9-840A-0508-4CAF-3AC711D8D5CE}"/>
-              </a:ext>
-            </a:extLst>
-          </p:cNvPr>
-          <p:cNvSpPr/>
-          <p:nvPr/>
-        </p:nvSpPr>
-        <p:spPr>
-          <a:xfrm>
-            <a:off x="10384302" y="7949286"/>
-            <a:ext cx="4779498" cy="1882905"/>
-          </a:xfrm>
-          <a:prstGeom prst="rect">
-            <a:avLst/>
-          </a:prstGeom>
-          <a:noFill/>
-          <a:ln>
-            <a:solidFill>
-              <a:srgbClr val="FF0000"/>
-            </a:solidFill>
-          </a:ln>
-        </p:spPr>
-        <p:style>
-          <a:lnRef idx="2">
-            <a:schemeClr val="accent2">
-              <a:shade val="50000"/>
-            </a:schemeClr>
-          </a:lnRef>
-          <a:fillRef idx="1">
-            <a:schemeClr val="accent2"/>
-          </a:fillRef>
-          <a:effectRef idx="0">
-            <a:schemeClr val="accent2"/>
-          </a:effectRef>
-          <a:fontRef idx="minor">
-            <a:schemeClr val="lt1"/>
-          </a:fontRef>
-        </p:style>
-        <p:txBody>
-          <a:bodyPr rtlCol="0" anchor="ctr"/>
-          <a:lstStyle/>
-          <a:p>
-            <a:pPr algn="ctr"/>
-            <a:endParaRPr lang="ko-KR" altLang="en-US"/>
-          </a:p>
-        </p:txBody>
-      </p:sp>
-      <p:sp>
-        <p:nvSpPr>
-          <p:cNvPr id="17" name="TextBox 16">
-            <a:extLst>
-              <a:ext uri="{FF2B5EF4-FFF2-40B4-BE49-F238E27FC236}">
-                <a16:creationId xmlns:a16="http://schemas.microsoft.com/office/drawing/2014/main" xmlns="" id="{C6D113C6-EA5C-788F-0C77-E7CE6EBB865F}"/>
-              </a:ext>
-            </a:extLst>
-          </p:cNvPr>
-          <p:cNvSpPr txBox="1"/>
-          <p:nvPr/>
-        </p:nvSpPr>
-        <p:spPr>
-          <a:xfrm>
-            <a:off x="15163800" y="8105908"/>
-            <a:ext cx="2847181" cy="1323439"/>
-          </a:xfrm>
-          <a:prstGeom prst="rect">
-            <a:avLst/>
-          </a:prstGeom>
-          <a:noFill/>
-        </p:spPr>
-        <p:txBody>
-          <a:bodyPr wrap="square" rtlCol="0">
-            <a:spAutoFit/>
-          </a:bodyPr>
-          <a:lstStyle/>
-          <a:p>
-            <a:r>
-              <a:rPr lang="ko-KR" altLang="en-US" sz="2000" smtClean="0">
-                <a:solidFill>
-                  <a:srgbClr val="FF0000"/>
-                </a:solidFill>
-                <a:latin typeface="G마켓 산스 Medium" panose="02000000000000000000" pitchFamily="50" charset="-127"/>
-                <a:ea typeface="G마켓 산스 Medium" panose="02000000000000000000" pitchFamily="50" charset="-127"/>
-              </a:rPr>
-              <a:t>정사각형인지 확인하는 메서드는 </a:t>
-            </a:r>
-            <a:r>
-              <a:rPr lang="en-US" altLang="ko-KR" sz="2000" smtClean="0">
-                <a:solidFill>
-                  <a:srgbClr val="FF0000"/>
-                </a:solidFill>
-                <a:latin typeface="G마켓 산스 Medium" panose="02000000000000000000" pitchFamily="50" charset="-127"/>
-                <a:ea typeface="G마켓 산스 Medium" panose="02000000000000000000" pitchFamily="50" charset="-127"/>
-              </a:rPr>
-              <a:t>Rectangle</a:t>
-            </a:r>
-            <a:r>
-              <a:rPr lang="ko-KR" altLang="en-US" sz="2000" smtClean="0">
-                <a:solidFill>
-                  <a:srgbClr val="FF0000"/>
-                </a:solidFill>
-                <a:latin typeface="G마켓 산스 Medium" panose="02000000000000000000" pitchFamily="50" charset="-127"/>
-                <a:ea typeface="G마켓 산스 Medium" panose="02000000000000000000" pitchFamily="50" charset="-127"/>
-              </a:rPr>
-              <a:t>에만 있어야 한다</a:t>
-            </a:r>
-            <a:r>
-              <a:rPr lang="en-US" altLang="ko-KR" sz="2000" smtClean="0">
-                <a:solidFill>
-                  <a:srgbClr val="FF0000"/>
-                </a:solidFill>
-                <a:latin typeface="G마켓 산스 Medium" panose="02000000000000000000" pitchFamily="50" charset="-127"/>
-                <a:ea typeface="G마켓 산스 Medium" panose="02000000000000000000" pitchFamily="50" charset="-127"/>
-              </a:rPr>
-              <a:t>.</a:t>
-            </a:r>
-            <a:endParaRPr lang="en-US" altLang="ko-KR" sz="2000" dirty="0">
-              <a:solidFill>
-                <a:srgbClr val="FF0000"/>
-              </a:solidFill>
-              <a:latin typeface="G마켓 산스 Medium" panose="02000000000000000000" pitchFamily="50" charset="-127"/>
-              <a:ea typeface="G마켓 산스 Medium" panose="02000000000000000000" pitchFamily="50" charset="-127"/>
-            </a:endParaRPr>
-          </a:p>
-        </p:txBody>
-      </p:sp>
     </p:spTree>
     <p:extLst>
       <p:ext uri="{BB962C8B-B14F-4D97-AF65-F5344CB8AC3E}">
@@ -11087,13 +10659,6 @@
   <p:clrMapOvr>
     <a:masterClrMapping/>
   </p:clrMapOvr>
-  <p:timing>
-    <p:tnLst>
-      <p:par>
-        <p:cTn id="1" dur="indefinite" restart="never" nodeType="tmRoot"/>
-      </p:par>
-    </p:tnLst>
-  </p:timing>
 </p:sld>
 </file>
 
@@ -11292,7 +10857,7 @@
           <p:cNvPr id="11" name="TextBox 10">
             <a:extLst>
               <a:ext uri="{FF2B5EF4-FFF2-40B4-BE49-F238E27FC236}">
-                <a16:creationId xmlns:a16="http://schemas.microsoft.com/office/drawing/2014/main" xmlns="" id="{9F88F580-08BE-88C2-D640-13F0026591CB}"/>
+                <a16:creationId xmlns:a16="http://schemas.microsoft.com/office/drawing/2014/main" id="{9F88F580-08BE-88C2-D640-13F0026591CB}"/>
               </a:ext>
             </a:extLst>
           </p:cNvPr>
@@ -11360,7 +10925,7 @@
           <p:cNvPr id="13" name="TextBox 12">
             <a:extLst>
               <a:ext uri="{FF2B5EF4-FFF2-40B4-BE49-F238E27FC236}">
-                <a16:creationId xmlns:a16="http://schemas.microsoft.com/office/drawing/2014/main" xmlns="" id="{72769C28-9BB6-DE9C-7B6F-264B77B8DD0E}"/>
+                <a16:creationId xmlns:a16="http://schemas.microsoft.com/office/drawing/2014/main" id="{72769C28-9BB6-DE9C-7B6F-264B77B8DD0E}"/>
               </a:ext>
             </a:extLst>
           </p:cNvPr>
@@ -11408,7 +10973,7 @@
           <p:cNvPr id="14" name="TextBox 13">
             <a:extLst>
               <a:ext uri="{FF2B5EF4-FFF2-40B4-BE49-F238E27FC236}">
-                <a16:creationId xmlns:a16="http://schemas.microsoft.com/office/drawing/2014/main" xmlns="" id="{270FBB6A-01CE-5637-78DA-58F0C974145C}"/>
+                <a16:creationId xmlns:a16="http://schemas.microsoft.com/office/drawing/2014/main" id="{270FBB6A-01CE-5637-78DA-58F0C974145C}"/>
               </a:ext>
             </a:extLst>
           </p:cNvPr>
@@ -11456,7 +11021,7 @@
           <p:cNvPr id="2" name="Object 17">
             <a:extLst>
               <a:ext uri="{FF2B5EF4-FFF2-40B4-BE49-F238E27FC236}">
-                <a16:creationId xmlns:a16="http://schemas.microsoft.com/office/drawing/2014/main" xmlns="" id="{140B283D-FE58-FA6F-6F7C-E0F1DBB62A65}"/>
+                <a16:creationId xmlns:a16="http://schemas.microsoft.com/office/drawing/2014/main" id="{140B283D-FE58-FA6F-6F7C-E0F1DBB62A65}"/>
               </a:ext>
             </a:extLst>
           </p:cNvPr>
@@ -11486,7 +11051,7 @@
           <p:cNvPr id="4" name="TextBox 3">
             <a:extLst>
               <a:ext uri="{FF2B5EF4-FFF2-40B4-BE49-F238E27FC236}">
-                <a16:creationId xmlns:a16="http://schemas.microsoft.com/office/drawing/2014/main" xmlns="" id="{2C8D0998-79BC-6FD2-59D9-8052B4A25F65}"/>
+                <a16:creationId xmlns:a16="http://schemas.microsoft.com/office/drawing/2014/main" id="{2C8D0998-79BC-6FD2-59D9-8052B4A25F65}"/>
               </a:ext>
             </a:extLst>
           </p:cNvPr>
@@ -11544,7 +11109,7 @@
           <p:cNvPr id="5" name="Object 18">
             <a:extLst>
               <a:ext uri="{FF2B5EF4-FFF2-40B4-BE49-F238E27FC236}">
-                <a16:creationId xmlns:a16="http://schemas.microsoft.com/office/drawing/2014/main" xmlns="" id="{3F58EA3E-1018-64D3-FAB2-4F6B9618FA56}"/>
+                <a16:creationId xmlns:a16="http://schemas.microsoft.com/office/drawing/2014/main" id="{3F58EA3E-1018-64D3-FAB2-4F6B9618FA56}"/>
               </a:ext>
             </a:extLst>
           </p:cNvPr>
@@ -11574,7 +11139,7 @@
           <p:cNvPr id="8" name="TextBox 7">
             <a:extLst>
               <a:ext uri="{FF2B5EF4-FFF2-40B4-BE49-F238E27FC236}">
-                <a16:creationId xmlns:a16="http://schemas.microsoft.com/office/drawing/2014/main" xmlns="" id="{681D3F16-7DCF-41AD-F5F1-0558C78C0E4D}"/>
+                <a16:creationId xmlns:a16="http://schemas.microsoft.com/office/drawing/2014/main" id="{681D3F16-7DCF-41AD-F5F1-0558C78C0E4D}"/>
               </a:ext>
             </a:extLst>
           </p:cNvPr>
@@ -11976,7 +11541,7 @@
           <p:cNvPr id="2" name="TextBox 1">
             <a:extLst>
               <a:ext uri="{FF2B5EF4-FFF2-40B4-BE49-F238E27FC236}">
-                <a16:creationId xmlns:a16="http://schemas.microsoft.com/office/drawing/2014/main" xmlns="" id="{2330F89C-615F-0606-64A2-1CF030EAFFB4}"/>
+                <a16:creationId xmlns:a16="http://schemas.microsoft.com/office/drawing/2014/main" id="{2330F89C-615F-0606-64A2-1CF030EAFFB4}"/>
               </a:ext>
             </a:extLst>
           </p:cNvPr>
@@ -12037,7 +11602,7 @@
           <p:cNvPr id="3" name="직선 연결선 2">
             <a:extLst>
               <a:ext uri="{FF2B5EF4-FFF2-40B4-BE49-F238E27FC236}">
-                <a16:creationId xmlns:a16="http://schemas.microsoft.com/office/drawing/2014/main" xmlns="" id="{3683F3F8-B31C-C55B-4E21-40D82D0424B1}"/>
+                <a16:creationId xmlns:a16="http://schemas.microsoft.com/office/drawing/2014/main" id="{3683F3F8-B31C-C55B-4E21-40D82D0424B1}"/>
               </a:ext>
             </a:extLst>
           </p:cNvPr>
@@ -12080,7 +11645,7 @@
           <p:cNvPr id="7" name="그림 6">
             <a:extLst>
               <a:ext uri="{FF2B5EF4-FFF2-40B4-BE49-F238E27FC236}">
-                <a16:creationId xmlns:a16="http://schemas.microsoft.com/office/drawing/2014/main" xmlns="" id="{DF7351EC-6995-788E-BCCE-8FFC618DD74F}"/>
+                <a16:creationId xmlns:a16="http://schemas.microsoft.com/office/drawing/2014/main" id="{DF7351EC-6995-788E-BCCE-8FFC618DD74F}"/>
               </a:ext>
             </a:extLst>
           </p:cNvPr>
@@ -12188,7 +11753,7 @@
           <p:cNvPr id="6" name="TextBox 5">
             <a:extLst>
               <a:ext uri="{FF2B5EF4-FFF2-40B4-BE49-F238E27FC236}">
-                <a16:creationId xmlns:a16="http://schemas.microsoft.com/office/drawing/2014/main" xmlns="" id="{C6D113C6-EA5C-788F-0C77-E7CE6EBB865F}"/>
+                <a16:creationId xmlns:a16="http://schemas.microsoft.com/office/drawing/2014/main" id="{C6D113C6-EA5C-788F-0C77-E7CE6EBB865F}"/>
               </a:ext>
             </a:extLst>
           </p:cNvPr>
@@ -12309,7 +11874,7 @@
           <p:cNvPr id="2" name="TextBox 1">
             <a:extLst>
               <a:ext uri="{FF2B5EF4-FFF2-40B4-BE49-F238E27FC236}">
-                <a16:creationId xmlns:a16="http://schemas.microsoft.com/office/drawing/2014/main" xmlns="" id="{2148F96F-071C-591D-1DF0-A16905276911}"/>
+                <a16:creationId xmlns:a16="http://schemas.microsoft.com/office/drawing/2014/main" id="{2148F96F-071C-591D-1DF0-A16905276911}"/>
               </a:ext>
             </a:extLst>
           </p:cNvPr>
@@ -12367,7 +11932,7 @@
           <p:cNvPr id="3" name="직선 연결선 2">
             <a:extLst>
               <a:ext uri="{FF2B5EF4-FFF2-40B4-BE49-F238E27FC236}">
-                <a16:creationId xmlns:a16="http://schemas.microsoft.com/office/drawing/2014/main" xmlns="" id="{12316A92-601F-0721-DE07-D307B0CFBCF3}"/>
+                <a16:creationId xmlns:a16="http://schemas.microsoft.com/office/drawing/2014/main" id="{12316A92-601F-0721-DE07-D307B0CFBCF3}"/>
               </a:ext>
             </a:extLst>
           </p:cNvPr>
@@ -12405,157 +11970,6 @@
           </a:fontRef>
         </p:style>
       </p:cxnSp>
-      <p:cxnSp>
-        <p:nvCxnSpPr>
-          <p:cNvPr id="8" name="직선 화살표 연결선 7">
-            <a:extLst>
-              <a:ext uri="{FF2B5EF4-FFF2-40B4-BE49-F238E27FC236}">
-                <a16:creationId xmlns:a16="http://schemas.microsoft.com/office/drawing/2014/main" xmlns="" id="{299DF5EC-9DF4-5255-06AC-0A7CE4FF58C3}"/>
-              </a:ext>
-            </a:extLst>
-          </p:cNvPr>
-          <p:cNvCxnSpPr>
-            <a:cxnSpLocks/>
-          </p:cNvCxnSpPr>
-          <p:nvPr/>
-        </p:nvCxnSpPr>
-        <p:spPr>
-          <a:xfrm>
-            <a:off x="10210800" y="3238500"/>
-            <a:ext cx="1219200" cy="0"/>
-          </a:xfrm>
-          <a:prstGeom prst="straightConnector1">
-            <a:avLst/>
-          </a:prstGeom>
-          <a:ln w="38100">
-            <a:tailEnd type="triangle"/>
-          </a:ln>
-        </p:spPr>
-        <p:style>
-          <a:lnRef idx="1">
-            <a:schemeClr val="accent2"/>
-          </a:lnRef>
-          <a:fillRef idx="0">
-            <a:schemeClr val="accent2"/>
-          </a:fillRef>
-          <a:effectRef idx="0">
-            <a:schemeClr val="accent2"/>
-          </a:effectRef>
-          <a:fontRef idx="minor">
-            <a:schemeClr val="tx1"/>
-          </a:fontRef>
-        </p:style>
-      </p:cxnSp>
-      <p:sp>
-        <p:nvSpPr>
-          <p:cNvPr id="9" name="직사각형 8">
-            <a:extLst>
-              <a:ext uri="{FF2B5EF4-FFF2-40B4-BE49-F238E27FC236}">
-                <a16:creationId xmlns:a16="http://schemas.microsoft.com/office/drawing/2014/main" xmlns="" id="{FFF506F9-840A-0508-4CAF-3AC711D8D5CE}"/>
-              </a:ext>
-            </a:extLst>
-          </p:cNvPr>
-          <p:cNvSpPr/>
-          <p:nvPr/>
-        </p:nvSpPr>
-        <p:spPr>
-          <a:xfrm>
-            <a:off x="2438400" y="2933700"/>
-            <a:ext cx="7772400" cy="457200"/>
-          </a:xfrm>
-          <a:prstGeom prst="rect">
-            <a:avLst/>
-          </a:prstGeom>
-          <a:noFill/>
-          <a:ln>
-            <a:solidFill>
-              <a:srgbClr val="FF0000"/>
-            </a:solidFill>
-          </a:ln>
-        </p:spPr>
-        <p:style>
-          <a:lnRef idx="2">
-            <a:schemeClr val="accent2">
-              <a:shade val="50000"/>
-            </a:schemeClr>
-          </a:lnRef>
-          <a:fillRef idx="1">
-            <a:schemeClr val="accent2"/>
-          </a:fillRef>
-          <a:effectRef idx="0">
-            <a:schemeClr val="accent2"/>
-          </a:effectRef>
-          <a:fontRef idx="minor">
-            <a:schemeClr val="lt1"/>
-          </a:fontRef>
-        </p:style>
-        <p:txBody>
-          <a:bodyPr rtlCol="0" anchor="ctr"/>
-          <a:lstStyle/>
-          <a:p>
-            <a:pPr algn="ctr"/>
-            <a:endParaRPr lang="ko-KR" altLang="en-US"/>
-          </a:p>
-        </p:txBody>
-      </p:sp>
-      <p:sp>
-        <p:nvSpPr>
-          <p:cNvPr id="10" name="TextBox 9">
-            <a:extLst>
-              <a:ext uri="{FF2B5EF4-FFF2-40B4-BE49-F238E27FC236}">
-                <a16:creationId xmlns:a16="http://schemas.microsoft.com/office/drawing/2014/main" xmlns="" id="{C6D113C6-EA5C-788F-0C77-E7CE6EBB865F}"/>
-              </a:ext>
-            </a:extLst>
-          </p:cNvPr>
-          <p:cNvSpPr txBox="1"/>
-          <p:nvPr/>
-        </p:nvSpPr>
-        <p:spPr>
-          <a:xfrm>
-            <a:off x="11525254" y="2562135"/>
-            <a:ext cx="6400800" cy="1200329"/>
-          </a:xfrm>
-          <a:prstGeom prst="rect">
-            <a:avLst/>
-          </a:prstGeom>
-          <a:noFill/>
-        </p:spPr>
-        <p:txBody>
-          <a:bodyPr wrap="square" rtlCol="0">
-            <a:spAutoFit/>
-          </a:bodyPr>
-          <a:lstStyle/>
-          <a:p>
-            <a:r>
-              <a:rPr lang="en-US" altLang="ko-KR" sz="3600" smtClean="0">
-                <a:solidFill>
-                  <a:srgbClr val="FF0000"/>
-                </a:solidFill>
-                <a:latin typeface="G마켓 산스 Medium" panose="02000000000000000000" pitchFamily="50" charset="-127"/>
-                <a:ea typeface="G마켓 산스 Medium" panose="02000000000000000000" pitchFamily="50" charset="-127"/>
-              </a:rPr>
-              <a:t>Object</a:t>
-            </a:r>
-            <a:r>
-              <a:rPr lang="ko-KR" altLang="en-US" sz="3600" smtClean="0">
-                <a:solidFill>
-                  <a:srgbClr val="FF0000"/>
-                </a:solidFill>
-                <a:latin typeface="G마켓 산스 Medium" panose="02000000000000000000" pitchFamily="50" charset="-127"/>
-                <a:ea typeface="G마켓 산스 Medium" panose="02000000000000000000" pitchFamily="50" charset="-127"/>
-              </a:rPr>
-              <a:t>로 부터 상속받은것을 오버라이딩</a:t>
-            </a:r>
-            <a:endParaRPr lang="en-US" altLang="ko-KR" sz="3600" dirty="0">
-              <a:solidFill>
-                <a:srgbClr val="FF0000"/>
-              </a:solidFill>
-              <a:latin typeface="G마켓 산스 Medium" panose="02000000000000000000" pitchFamily="50" charset="-127"/>
-              <a:ea typeface="G마켓 산스 Medium" panose="02000000000000000000" pitchFamily="50" charset="-127"/>
-            </a:endParaRPr>
-          </a:p>
-        </p:txBody>
-      </p:sp>
     </p:spTree>
     <p:extLst>
       <p:ext uri="{BB962C8B-B14F-4D97-AF65-F5344CB8AC3E}">
@@ -12566,13 +11980,6 @@
   <p:clrMapOvr>
     <a:masterClrMapping/>
   </p:clrMapOvr>
-  <p:timing>
-    <p:tnLst>
-      <p:par>
-        <p:cTn id="1" dur="indefinite" restart="never" nodeType="tmRoot"/>
-      </p:par>
-    </p:tnLst>
-  </p:timing>
 </p:sld>
 </file>
 
@@ -12864,7 +12271,7 @@
           <p:cNvPr id="2" name="TextBox 1">
             <a:extLst>
               <a:ext uri="{FF2B5EF4-FFF2-40B4-BE49-F238E27FC236}">
-                <a16:creationId xmlns:a16="http://schemas.microsoft.com/office/drawing/2014/main" xmlns="" id="{715D88A2-BD52-978B-A00A-540446126E3D}"/>
+                <a16:creationId xmlns:a16="http://schemas.microsoft.com/office/drawing/2014/main" id="{715D88A2-BD52-978B-A00A-540446126E3D}"/>
               </a:ext>
             </a:extLst>
           </p:cNvPr>
@@ -13125,7 +12532,7 @@
           <p:cNvPr id="2" name="TextBox 1">
             <a:extLst>
               <a:ext uri="{FF2B5EF4-FFF2-40B4-BE49-F238E27FC236}">
-                <a16:creationId xmlns:a16="http://schemas.microsoft.com/office/drawing/2014/main" xmlns="" id="{8D19D88B-9541-32D7-90F1-0C45C993E21C}"/>
+                <a16:creationId xmlns:a16="http://schemas.microsoft.com/office/drawing/2014/main" id="{8D19D88B-9541-32D7-90F1-0C45C993E21C}"/>
               </a:ext>
             </a:extLst>
           </p:cNvPr>
@@ -13198,7 +12605,7 @@
           <p:cNvPr id="2" name="TextBox 1">
             <a:extLst>
               <a:ext uri="{FF2B5EF4-FFF2-40B4-BE49-F238E27FC236}">
-                <a16:creationId xmlns:a16="http://schemas.microsoft.com/office/drawing/2014/main" xmlns="" id="{4466AA1F-9098-4B5C-E98B-FF40B15DCDE3}"/>
+                <a16:creationId xmlns:a16="http://schemas.microsoft.com/office/drawing/2014/main" id="{4466AA1F-9098-4B5C-E98B-FF40B15DCDE3}"/>
               </a:ext>
             </a:extLst>
           </p:cNvPr>
@@ -13401,7 +12808,7 @@
           <p:cNvPr id="5" name="그림 4">
             <a:extLst>
               <a:ext uri="{FF2B5EF4-FFF2-40B4-BE49-F238E27FC236}">
-                <a16:creationId xmlns:a16="http://schemas.microsoft.com/office/drawing/2014/main" xmlns="" id="{02BEBD43-AF0E-602B-B93F-FF0DD2D4EA90}"/>
+                <a16:creationId xmlns:a16="http://schemas.microsoft.com/office/drawing/2014/main" id="{02BEBD43-AF0E-602B-B93F-FF0DD2D4EA90}"/>
               </a:ext>
             </a:extLst>
           </p:cNvPr>
@@ -13431,7 +12838,7 @@
           <p:cNvPr id="7" name="그림 6">
             <a:extLst>
               <a:ext uri="{FF2B5EF4-FFF2-40B4-BE49-F238E27FC236}">
-                <a16:creationId xmlns:a16="http://schemas.microsoft.com/office/drawing/2014/main" xmlns="" id="{1E61335F-3DD4-B37E-4B75-AA0E132C97DE}"/>
+                <a16:creationId xmlns:a16="http://schemas.microsoft.com/office/drawing/2014/main" id="{1E61335F-3DD4-B37E-4B75-AA0E132C97DE}"/>
               </a:ext>
             </a:extLst>
           </p:cNvPr>
@@ -13461,7 +12868,7 @@
           <p:cNvPr id="8" name="TextBox 7">
             <a:extLst>
               <a:ext uri="{FF2B5EF4-FFF2-40B4-BE49-F238E27FC236}">
-                <a16:creationId xmlns:a16="http://schemas.microsoft.com/office/drawing/2014/main" xmlns="" id="{B61A775E-080A-4874-AEDC-E5FD44FA4828}"/>
+                <a16:creationId xmlns:a16="http://schemas.microsoft.com/office/drawing/2014/main" id="{B61A775E-080A-4874-AEDC-E5FD44FA4828}"/>
               </a:ext>
             </a:extLst>
           </p:cNvPr>
@@ -13522,7 +12929,7 @@
           <p:cNvPr id="11" name="직선 연결선 10">
             <a:extLst>
               <a:ext uri="{FF2B5EF4-FFF2-40B4-BE49-F238E27FC236}">
-                <a16:creationId xmlns:a16="http://schemas.microsoft.com/office/drawing/2014/main" xmlns="" id="{FB5FFFF6-49D2-EE96-7CE1-8C35CBB0926E}"/>
+                <a16:creationId xmlns:a16="http://schemas.microsoft.com/office/drawing/2014/main" id="{FB5FFFF6-49D2-EE96-7CE1-8C35CBB0926E}"/>
               </a:ext>
             </a:extLst>
           </p:cNvPr>
@@ -13595,7 +13002,7 @@
           <p:cNvPr id="3" name="그림 2">
             <a:extLst>
               <a:ext uri="{FF2B5EF4-FFF2-40B4-BE49-F238E27FC236}">
-                <a16:creationId xmlns:a16="http://schemas.microsoft.com/office/drawing/2014/main" xmlns="" id="{CEBBD887-16B8-BB60-91CC-7C2F3CA30B13}"/>
+                <a16:creationId xmlns:a16="http://schemas.microsoft.com/office/drawing/2014/main" id="{CEBBD887-16B8-BB60-91CC-7C2F3CA30B13}"/>
               </a:ext>
             </a:extLst>
           </p:cNvPr>
@@ -13625,7 +13032,7 @@
           <p:cNvPr id="5" name="TextBox 4">
             <a:extLst>
               <a:ext uri="{FF2B5EF4-FFF2-40B4-BE49-F238E27FC236}">
-                <a16:creationId xmlns:a16="http://schemas.microsoft.com/office/drawing/2014/main" xmlns="" id="{05EAC030-D6B3-7E3C-09AA-7DA2B8ECDEFF}"/>
+                <a16:creationId xmlns:a16="http://schemas.microsoft.com/office/drawing/2014/main" id="{05EAC030-D6B3-7E3C-09AA-7DA2B8ECDEFF}"/>
               </a:ext>
             </a:extLst>
           </p:cNvPr>
@@ -13683,7 +13090,7 @@
           <p:cNvPr id="6" name="직선 연결선 5">
             <a:extLst>
               <a:ext uri="{FF2B5EF4-FFF2-40B4-BE49-F238E27FC236}">
-                <a16:creationId xmlns:a16="http://schemas.microsoft.com/office/drawing/2014/main" xmlns="" id="{CB1A0ECA-4640-4EE2-840D-591D80C0F2BC}"/>
+                <a16:creationId xmlns:a16="http://schemas.microsoft.com/office/drawing/2014/main" id="{CB1A0ECA-4640-4EE2-840D-591D80C0F2BC}"/>
               </a:ext>
             </a:extLst>
           </p:cNvPr>
@@ -13726,7 +13133,7 @@
           <p:cNvPr id="12" name="그림 11">
             <a:extLst>
               <a:ext uri="{FF2B5EF4-FFF2-40B4-BE49-F238E27FC236}">
-                <a16:creationId xmlns:a16="http://schemas.microsoft.com/office/drawing/2014/main" xmlns="" id="{A0E671DC-B7AC-CA41-9F64-DD7402A83C36}"/>
+                <a16:creationId xmlns:a16="http://schemas.microsoft.com/office/drawing/2014/main" id="{A0E671DC-B7AC-CA41-9F64-DD7402A83C36}"/>
               </a:ext>
             </a:extLst>
           </p:cNvPr>
@@ -13756,7 +13163,7 @@
           <p:cNvPr id="13" name="직선 화살표 연결선 12">
             <a:extLst>
               <a:ext uri="{FF2B5EF4-FFF2-40B4-BE49-F238E27FC236}">
-                <a16:creationId xmlns:a16="http://schemas.microsoft.com/office/drawing/2014/main" xmlns="" id="{5A3BF807-3DAD-C951-B61F-210C7D8F8423}"/>
+                <a16:creationId xmlns:a16="http://schemas.microsoft.com/office/drawing/2014/main" id="{5A3BF807-3DAD-C951-B61F-210C7D8F8423}"/>
               </a:ext>
             </a:extLst>
           </p:cNvPr>
@@ -13797,7 +13204,7 @@
           <p:cNvPr id="14" name="직사각형 13">
             <a:extLst>
               <a:ext uri="{FF2B5EF4-FFF2-40B4-BE49-F238E27FC236}">
-                <a16:creationId xmlns:a16="http://schemas.microsoft.com/office/drawing/2014/main" xmlns="" id="{48F005AB-E9C9-CC9F-D62D-3D538F95B8F6}"/>
+                <a16:creationId xmlns:a16="http://schemas.microsoft.com/office/drawing/2014/main" id="{48F005AB-E9C9-CC9F-D62D-3D538F95B8F6}"/>
               </a:ext>
             </a:extLst>
           </p:cNvPr>
@@ -13849,7 +13256,7 @@
           <p:cNvPr id="15" name="TextBox 14">
             <a:extLst>
               <a:ext uri="{FF2B5EF4-FFF2-40B4-BE49-F238E27FC236}">
-                <a16:creationId xmlns:a16="http://schemas.microsoft.com/office/drawing/2014/main" xmlns="" id="{E20B51F4-FE2F-F8C4-F574-3E0865BFFAEA}"/>
+                <a16:creationId xmlns:a16="http://schemas.microsoft.com/office/drawing/2014/main" id="{E20B51F4-FE2F-F8C4-F574-3E0865BFFAEA}"/>
               </a:ext>
             </a:extLst>
           </p:cNvPr>
@@ -13859,7 +13266,7 @@
         <p:spPr>
           <a:xfrm>
             <a:off x="609600" y="4591734"/>
-            <a:ext cx="7010400" cy="1200329"/>
+            <a:ext cx="6400800" cy="1754326"/>
           </a:xfrm>
           <a:prstGeom prst="rect">
             <a:avLst/>
@@ -13929,7 +13336,7 @@
           <p:cNvPr id="17" name="직선 화살표 연결선 16">
             <a:extLst>
               <a:ext uri="{FF2B5EF4-FFF2-40B4-BE49-F238E27FC236}">
-                <a16:creationId xmlns:a16="http://schemas.microsoft.com/office/drawing/2014/main" xmlns="" id="{C0891926-E890-4749-2873-F4D296D981A3}"/>
+                <a16:creationId xmlns:a16="http://schemas.microsoft.com/office/drawing/2014/main" id="{C0891926-E890-4749-2873-F4D296D981A3}"/>
               </a:ext>
             </a:extLst>
           </p:cNvPr>
@@ -13970,7 +13377,7 @@
           <p:cNvPr id="18" name="직사각형 17">
             <a:extLst>
               <a:ext uri="{FF2B5EF4-FFF2-40B4-BE49-F238E27FC236}">
-                <a16:creationId xmlns:a16="http://schemas.microsoft.com/office/drawing/2014/main" xmlns="" id="{1DCAEC6F-CC5D-8952-84F2-D4F2B93CA08D}"/>
+                <a16:creationId xmlns:a16="http://schemas.microsoft.com/office/drawing/2014/main" id="{1DCAEC6F-CC5D-8952-84F2-D4F2B93CA08D}"/>
               </a:ext>
             </a:extLst>
           </p:cNvPr>
@@ -14022,7 +13429,7 @@
           <p:cNvPr id="19" name="TextBox 18">
             <a:extLst>
               <a:ext uri="{FF2B5EF4-FFF2-40B4-BE49-F238E27FC236}">
-                <a16:creationId xmlns:a16="http://schemas.microsoft.com/office/drawing/2014/main" xmlns="" id="{B27338C8-BBB8-F0FC-E07E-ABD74F8ABA4B}"/>
+                <a16:creationId xmlns:a16="http://schemas.microsoft.com/office/drawing/2014/main" id="{B27338C8-BBB8-F0FC-E07E-ABD74F8ABA4B}"/>
               </a:ext>
             </a:extLst>
           </p:cNvPr>
@@ -14083,7 +13490,7 @@
           <p:cNvPr id="22" name="직선 화살표 연결선 21">
             <a:extLst>
               <a:ext uri="{FF2B5EF4-FFF2-40B4-BE49-F238E27FC236}">
-                <a16:creationId xmlns:a16="http://schemas.microsoft.com/office/drawing/2014/main" xmlns="" id="{12414B10-4CFE-13AC-9E6F-0EE40ABE4A88}"/>
+                <a16:creationId xmlns:a16="http://schemas.microsoft.com/office/drawing/2014/main" id="{12414B10-4CFE-13AC-9E6F-0EE40ABE4A88}"/>
               </a:ext>
             </a:extLst>
           </p:cNvPr>
@@ -14124,7 +13531,7 @@
           <p:cNvPr id="23" name="직사각형 22">
             <a:extLst>
               <a:ext uri="{FF2B5EF4-FFF2-40B4-BE49-F238E27FC236}">
-                <a16:creationId xmlns:a16="http://schemas.microsoft.com/office/drawing/2014/main" xmlns="" id="{E85C2CAF-76CC-459F-7E86-7969728B162F}"/>
+                <a16:creationId xmlns:a16="http://schemas.microsoft.com/office/drawing/2014/main" id="{E85C2CAF-76CC-459F-7E86-7969728B162F}"/>
               </a:ext>
             </a:extLst>
           </p:cNvPr>
@@ -14176,7 +13583,7 @@
           <p:cNvPr id="24" name="TextBox 23">
             <a:extLst>
               <a:ext uri="{FF2B5EF4-FFF2-40B4-BE49-F238E27FC236}">
-                <a16:creationId xmlns:a16="http://schemas.microsoft.com/office/drawing/2014/main" xmlns="" id="{3B524357-FD2C-83F5-C316-AF01D0938A03}"/>
+                <a16:creationId xmlns:a16="http://schemas.microsoft.com/office/drawing/2014/main" id="{3B524357-FD2C-83F5-C316-AF01D0938A03}"/>
               </a:ext>
             </a:extLst>
           </p:cNvPr>
@@ -14185,8 +13592,8 @@
         </p:nvSpPr>
         <p:spPr>
           <a:xfrm>
-            <a:off x="10417382" y="4753177"/>
-            <a:ext cx="5432217" cy="1200329"/>
+            <a:off x="10417383" y="4753177"/>
+            <a:ext cx="4216400" cy="1200329"/>
           </a:xfrm>
           <a:prstGeom prst="rect">
             <a:avLst/>
@@ -14262,13 +13669,6 @@
   <p:clrMapOvr>
     <a:masterClrMapping/>
   </p:clrMapOvr>
-  <p:timing>
-    <p:tnLst>
-      <p:par>
-        <p:cTn id="1" dur="indefinite" restart="never" nodeType="tmRoot"/>
-      </p:par>
-    </p:tnLst>
-  </p:timing>
 </p:sld>
 </file>
 
@@ -14294,7 +13694,7 @@
           <p:cNvPr id="4" name="TextBox 3">
             <a:extLst>
               <a:ext uri="{FF2B5EF4-FFF2-40B4-BE49-F238E27FC236}">
-                <a16:creationId xmlns:a16="http://schemas.microsoft.com/office/drawing/2014/main" xmlns="" id="{DB358C9B-0672-29A7-ADFE-68DC64649DA3}"/>
+                <a16:creationId xmlns:a16="http://schemas.microsoft.com/office/drawing/2014/main" id="{DB358C9B-0672-29A7-ADFE-68DC64649DA3}"/>
               </a:ext>
             </a:extLst>
           </p:cNvPr>
@@ -14304,7 +13704,7 @@
         <p:spPr>
           <a:xfrm>
             <a:off x="716642" y="1409700"/>
-            <a:ext cx="17799957" cy="2123658"/>
+            <a:ext cx="17799957" cy="2369880"/>
           </a:xfrm>
           <a:prstGeom prst="rect">
             <a:avLst/>
@@ -14318,7 +13718,7 @@
           <a:lstStyle/>
           <a:p>
             <a:r>
-              <a:rPr lang="en-US" altLang="ko-KR" sz="3600" dirty="0">
+              <a:rPr lang="en-US" altLang="ko-KR" sz="4000" dirty="0">
                 <a:solidFill>
                   <a:srgbClr val="4C50BC"/>
                 </a:solidFill>
@@ -14328,7 +13728,7 @@
               <a:t>1-1</a:t>
             </a:r>
             <a:r>
-              <a:rPr lang="ko-KR" altLang="en-US" sz="3600" dirty="0">
+              <a:rPr lang="ko-KR" altLang="en-US" sz="4000" dirty="0">
                 <a:solidFill>
                   <a:srgbClr val="4C50BC"/>
                 </a:solidFill>
@@ -14338,7 +13738,7 @@
               <a:t>문제에서 만든 </a:t>
             </a:r>
             <a:r>
-              <a:rPr lang="en-US" altLang="ko-KR" sz="3600" dirty="0">
+              <a:rPr lang="en-US" altLang="ko-KR" sz="4000" dirty="0">
                 <a:solidFill>
                   <a:srgbClr val="4C50BC"/>
                 </a:solidFill>
@@ -14348,7 +13748,7 @@
               <a:t>Car, </a:t>
             </a:r>
             <a:r>
-              <a:rPr lang="en-US" altLang="ko-KR" sz="3600" dirty="0" err="1">
+              <a:rPr lang="en-US" altLang="ko-KR" sz="4000" dirty="0" err="1">
                 <a:solidFill>
                   <a:srgbClr val="4C50BC"/>
                 </a:solidFill>
@@ -14358,7 +13758,7 @@
               <a:t>OilCar</a:t>
             </a:r>
             <a:r>
-              <a:rPr lang="en-US" altLang="ko-KR" sz="3600" dirty="0">
+              <a:rPr lang="en-US" altLang="ko-KR" sz="4000" dirty="0">
                 <a:solidFill>
                   <a:srgbClr val="4C50BC"/>
                 </a:solidFill>
@@ -14368,7 +13768,7 @@
               <a:t> </a:t>
             </a:r>
             <a:r>
-              <a:rPr lang="ko-KR" altLang="en-US" sz="3600" dirty="0">
+              <a:rPr lang="ko-KR" altLang="en-US" sz="4000" dirty="0">
                 <a:solidFill>
                   <a:srgbClr val="4C50BC"/>
                 </a:solidFill>
@@ -14378,7 +13778,7 @@
               <a:t>클래스에 기능을 추가해보자</a:t>
             </a:r>
             <a:r>
-              <a:rPr lang="en-US" altLang="ko-KR" sz="3600" dirty="0">
+              <a:rPr lang="en-US" altLang="ko-KR" sz="4000" dirty="0">
                 <a:solidFill>
                   <a:srgbClr val="4C50BC"/>
                 </a:solidFill>
@@ -14387,7 +13787,7 @@
               </a:rPr>
               <a:t>.</a:t>
             </a:r>
-            <a:endParaRPr lang="en-US" altLang="ko-KR" sz="3200" dirty="0">
+            <a:endParaRPr lang="en-US" altLang="ko-KR" sz="3600" dirty="0">
               <a:solidFill>
                 <a:schemeClr val="tx1">
                   <a:lumMod val="50000"/>
@@ -14404,7 +13804,7 @@
               <a:buChar char="-"/>
             </a:pPr>
             <a:r>
-              <a:rPr lang="ko-KR" altLang="en-US" sz="3200" dirty="0" err="1">
+              <a:rPr lang="ko-KR" altLang="en-US" sz="3600" dirty="0" err="1">
                 <a:solidFill>
                   <a:schemeClr val="tx1">
                     <a:lumMod val="50000"/>
@@ -14417,7 +13817,7 @@
               <a:t>멤버메서드</a:t>
             </a:r>
             <a:r>
-              <a:rPr lang="ko-KR" altLang="en-US" sz="3200" dirty="0">
+              <a:rPr lang="ko-KR" altLang="en-US" sz="3600" dirty="0">
                 <a:solidFill>
                   <a:schemeClr val="tx1">
                     <a:lumMod val="50000"/>
@@ -14430,7 +13830,7 @@
               <a:t>  </a:t>
             </a:r>
             <a:r>
-              <a:rPr lang="en-US" altLang="ko-KR" sz="3200" dirty="0">
+              <a:rPr lang="en-US" altLang="ko-KR" sz="3600" dirty="0">
                 <a:solidFill>
                   <a:schemeClr val="tx1">
                     <a:lumMod val="50000"/>
@@ -14443,7 +13843,7 @@
               <a:t>: void go(int speed)  </a:t>
             </a:r>
             <a:r>
-              <a:rPr lang="ko-KR" altLang="en-US" sz="3200" dirty="0">
+              <a:rPr lang="ko-KR" altLang="en-US" sz="3600" dirty="0">
                 <a:solidFill>
                   <a:schemeClr val="tx1">
                     <a:lumMod val="50000"/>
@@ -14456,7 +13856,7 @@
               <a:t>매개변수로 받은 속도를 멤버변수에 저장한다</a:t>
             </a:r>
             <a:r>
-              <a:rPr lang="en-US" altLang="ko-KR" sz="3200" dirty="0">
+              <a:rPr lang="en-US" altLang="ko-KR" sz="3600" dirty="0">
                 <a:solidFill>
                   <a:schemeClr val="tx1">
                     <a:lumMod val="50000"/>
@@ -14471,7 +13871,7 @@
           </a:p>
           <a:p>
             <a:r>
-              <a:rPr lang="en-US" altLang="ko-KR" sz="3200" dirty="0">
+              <a:rPr lang="en-US" altLang="ko-KR" sz="3600" dirty="0">
                 <a:solidFill>
                   <a:schemeClr val="tx1">
                     <a:lumMod val="50000"/>
@@ -14484,7 +13884,7 @@
               <a:t>                      void</a:t>
             </a:r>
             <a:r>
-              <a:rPr lang="ko-KR" altLang="en-US" sz="3200" dirty="0">
+              <a:rPr lang="ko-KR" altLang="en-US" sz="3600" dirty="0">
                 <a:solidFill>
                   <a:schemeClr val="tx1">
                     <a:lumMod val="50000"/>
@@ -14497,7 +13897,7 @@
               <a:t> </a:t>
             </a:r>
             <a:r>
-              <a:rPr lang="en-US" altLang="ko-KR" sz="3200" dirty="0">
+              <a:rPr lang="en-US" altLang="ko-KR" sz="3600" dirty="0">
                 <a:solidFill>
                   <a:schemeClr val="tx1">
                     <a:lumMod val="50000"/>
@@ -14510,7 +13910,7 @@
               <a:t>stop() </a:t>
             </a:r>
             <a:r>
-              <a:rPr lang="ko-KR" altLang="en-US" sz="3200" dirty="0">
+              <a:rPr lang="ko-KR" altLang="en-US" sz="3600" dirty="0">
                 <a:solidFill>
                   <a:schemeClr val="tx1">
                     <a:lumMod val="50000"/>
@@ -14523,7 +13923,7 @@
               <a:t>속도를 </a:t>
             </a:r>
             <a:r>
-              <a:rPr lang="en-US" altLang="ko-KR" sz="3200" dirty="0">
+              <a:rPr lang="en-US" altLang="ko-KR" sz="3600" dirty="0">
                 <a:solidFill>
                   <a:schemeClr val="tx1">
                     <a:lumMod val="50000"/>
@@ -14536,7 +13936,7 @@
               <a:t>0</a:t>
             </a:r>
             <a:r>
-              <a:rPr lang="ko-KR" altLang="en-US" sz="3200" dirty="0">
+              <a:rPr lang="ko-KR" altLang="en-US" sz="3600" dirty="0">
                 <a:solidFill>
                   <a:schemeClr val="tx1">
                     <a:lumMod val="50000"/>
@@ -14549,7 +13949,7 @@
               <a:t>으로 만든다</a:t>
             </a:r>
             <a:r>
-              <a:rPr lang="en-US" altLang="ko-KR" sz="3200" dirty="0">
+              <a:rPr lang="en-US" altLang="ko-KR" sz="3600" dirty="0">
                 <a:solidFill>
                   <a:schemeClr val="tx1">
                     <a:lumMod val="50000"/>
@@ -14564,7 +13964,7 @@
           </a:p>
           <a:p>
             <a:r>
-              <a:rPr lang="en-US" altLang="ko-KR" sz="3200" dirty="0">
+              <a:rPr lang="en-US" altLang="ko-KR" sz="3600" dirty="0">
                 <a:solidFill>
                   <a:schemeClr val="tx1">
                     <a:lumMod val="50000"/>
@@ -14577,7 +13977,7 @@
               <a:t>- </a:t>
             </a:r>
             <a:r>
-              <a:rPr lang="en-US" altLang="ko-KR" sz="3200" dirty="0" err="1">
+              <a:rPr lang="en-US" altLang="ko-KR" sz="3600" dirty="0" err="1">
                 <a:solidFill>
                   <a:schemeClr val="tx1">
                     <a:lumMod val="50000"/>
@@ -14590,7 +13990,7 @@
               <a:t>go,stop</a:t>
             </a:r>
             <a:r>
-              <a:rPr lang="en-US" altLang="ko-KR" sz="3200" dirty="0">
+              <a:rPr lang="en-US" altLang="ko-KR" sz="3600" dirty="0">
                 <a:solidFill>
                   <a:schemeClr val="tx1">
                     <a:lumMod val="50000"/>
@@ -14603,7 +14003,7 @@
               <a:t>()</a:t>
             </a:r>
             <a:r>
-              <a:rPr lang="ko-KR" altLang="en-US" sz="3200" dirty="0">
+              <a:rPr lang="ko-KR" altLang="en-US" sz="3600" dirty="0">
                 <a:solidFill>
                   <a:schemeClr val="tx1">
                     <a:lumMod val="50000"/>
@@ -14616,7 +14016,7 @@
               <a:t> 메서드는 어느 클래스에서 만들어야 할까</a:t>
             </a:r>
             <a:r>
-              <a:rPr lang="en-US" altLang="ko-KR" sz="3200" dirty="0">
+              <a:rPr lang="en-US" altLang="ko-KR" sz="3600" dirty="0">
                 <a:solidFill>
                   <a:schemeClr val="tx1">
                     <a:lumMod val="50000"/>
@@ -14636,7 +14036,7 @@
           <p:cNvPr id="5" name="TextBox 4">
             <a:extLst>
               <a:ext uri="{FF2B5EF4-FFF2-40B4-BE49-F238E27FC236}">
-                <a16:creationId xmlns:a16="http://schemas.microsoft.com/office/drawing/2014/main" xmlns="" id="{B46A48C0-6564-1B4A-70FF-E1EF6BD59B1C}"/>
+                <a16:creationId xmlns:a16="http://schemas.microsoft.com/office/drawing/2014/main" id="{B46A48C0-6564-1B4A-70FF-E1EF6BD59B1C}"/>
               </a:ext>
             </a:extLst>
           </p:cNvPr>
@@ -14697,7 +14097,7 @@
           <p:cNvPr id="6" name="직선 연결선 5">
             <a:extLst>
               <a:ext uri="{FF2B5EF4-FFF2-40B4-BE49-F238E27FC236}">
-                <a16:creationId xmlns:a16="http://schemas.microsoft.com/office/drawing/2014/main" xmlns="" id="{88442ECA-2224-0E3A-601C-22A2B51DE441}"/>
+                <a16:creationId xmlns:a16="http://schemas.microsoft.com/office/drawing/2014/main" id="{88442ECA-2224-0E3A-601C-22A2B51DE441}"/>
               </a:ext>
             </a:extLst>
           </p:cNvPr>
@@ -14740,7 +14140,7 @@
           <p:cNvPr id="8" name="그림 7">
             <a:extLst>
               <a:ext uri="{FF2B5EF4-FFF2-40B4-BE49-F238E27FC236}">
-                <a16:creationId xmlns:a16="http://schemas.microsoft.com/office/drawing/2014/main" xmlns="" id="{6EF9E630-91F0-4D07-D477-B78528CB8C17}"/>
+                <a16:creationId xmlns:a16="http://schemas.microsoft.com/office/drawing/2014/main" id="{6EF9E630-91F0-4D07-D477-B78528CB8C17}"/>
               </a:ext>
             </a:extLst>
           </p:cNvPr>
@@ -14770,7 +14170,7 @@
           <p:cNvPr id="10" name="그림 9">
             <a:extLst>
               <a:ext uri="{FF2B5EF4-FFF2-40B4-BE49-F238E27FC236}">
-                <a16:creationId xmlns:a16="http://schemas.microsoft.com/office/drawing/2014/main" xmlns="" id="{19AAA49F-CE4F-5D75-6B6D-73CD7CABCD3A}"/>
+                <a16:creationId xmlns:a16="http://schemas.microsoft.com/office/drawing/2014/main" id="{19AAA49F-CE4F-5D75-6B6D-73CD7CABCD3A}"/>
               </a:ext>
             </a:extLst>
           </p:cNvPr>
@@ -14830,7 +14230,7 @@
           <p:cNvPr id="4" name="TextBox 3">
             <a:extLst>
               <a:ext uri="{FF2B5EF4-FFF2-40B4-BE49-F238E27FC236}">
-                <a16:creationId xmlns:a16="http://schemas.microsoft.com/office/drawing/2014/main" xmlns="" id="{AD187F79-0A11-F079-02E4-454E22FCEDC9}"/>
+                <a16:creationId xmlns:a16="http://schemas.microsoft.com/office/drawing/2014/main" id="{AD187F79-0A11-F079-02E4-454E22FCEDC9}"/>
               </a:ext>
             </a:extLst>
           </p:cNvPr>
@@ -14888,7 +14288,7 @@
           <p:cNvPr id="5" name="직선 연결선 4">
             <a:extLst>
               <a:ext uri="{FF2B5EF4-FFF2-40B4-BE49-F238E27FC236}">
-                <a16:creationId xmlns:a16="http://schemas.microsoft.com/office/drawing/2014/main" xmlns="" id="{2313489A-FA8C-CB8D-C1ED-B3D9FFC5C9FE}"/>
+                <a16:creationId xmlns:a16="http://schemas.microsoft.com/office/drawing/2014/main" id="{2313489A-FA8C-CB8D-C1ED-B3D9FFC5C9FE}"/>
               </a:ext>
             </a:extLst>
           </p:cNvPr>
@@ -14931,7 +14331,7 @@
           <p:cNvPr id="7" name="그림 6">
             <a:extLst>
               <a:ext uri="{FF2B5EF4-FFF2-40B4-BE49-F238E27FC236}">
-                <a16:creationId xmlns:a16="http://schemas.microsoft.com/office/drawing/2014/main" xmlns="" id="{7A36A569-4201-AA1A-065D-C7BD98CE0822}"/>
+                <a16:creationId xmlns:a16="http://schemas.microsoft.com/office/drawing/2014/main" id="{7A36A569-4201-AA1A-065D-C7BD98CE0822}"/>
               </a:ext>
             </a:extLst>
           </p:cNvPr>
@@ -14961,7 +14361,7 @@
           <p:cNvPr id="8" name="직선 화살표 연결선 7">
             <a:extLst>
               <a:ext uri="{FF2B5EF4-FFF2-40B4-BE49-F238E27FC236}">
-                <a16:creationId xmlns:a16="http://schemas.microsoft.com/office/drawing/2014/main" xmlns="" id="{69B8CD32-EFC1-7D36-122F-899BBE803252}"/>
+                <a16:creationId xmlns:a16="http://schemas.microsoft.com/office/drawing/2014/main" id="{69B8CD32-EFC1-7D36-122F-899BBE803252}"/>
               </a:ext>
             </a:extLst>
           </p:cNvPr>
@@ -15002,7 +14402,7 @@
           <p:cNvPr id="9" name="직사각형 8">
             <a:extLst>
               <a:ext uri="{FF2B5EF4-FFF2-40B4-BE49-F238E27FC236}">
-                <a16:creationId xmlns:a16="http://schemas.microsoft.com/office/drawing/2014/main" xmlns="" id="{26265FB8-9482-5DE2-52A7-F6FF200B8D28}"/>
+                <a16:creationId xmlns:a16="http://schemas.microsoft.com/office/drawing/2014/main" id="{26265FB8-9482-5DE2-52A7-F6FF200B8D28}"/>
               </a:ext>
             </a:extLst>
           </p:cNvPr>
@@ -15054,7 +14454,7 @@
           <p:cNvPr id="10" name="TextBox 9">
             <a:extLst>
               <a:ext uri="{FF2B5EF4-FFF2-40B4-BE49-F238E27FC236}">
-                <a16:creationId xmlns:a16="http://schemas.microsoft.com/office/drawing/2014/main" xmlns="" id="{141E425C-DD4F-CEA4-A081-6CF479000166}"/>
+                <a16:creationId xmlns:a16="http://schemas.microsoft.com/office/drawing/2014/main" id="{141E425C-DD4F-CEA4-A081-6CF479000166}"/>
               </a:ext>
             </a:extLst>
           </p:cNvPr>
@@ -15200,13 +14600,6 @@
   <p:clrMapOvr>
     <a:masterClrMapping/>
   </p:clrMapOvr>
-  <p:timing>
-    <p:tnLst>
-      <p:par>
-        <p:cTn id="1" dur="indefinite" restart="never" nodeType="tmRoot"/>
-      </p:par>
-    </p:tnLst>
-  </p:timing>
 </p:sld>
 </file>
 
@@ -15232,7 +14625,7 @@
           <p:cNvPr id="4" name="TextBox 3">
             <a:extLst>
               <a:ext uri="{FF2B5EF4-FFF2-40B4-BE49-F238E27FC236}">
-                <a16:creationId xmlns:a16="http://schemas.microsoft.com/office/drawing/2014/main" xmlns="" id="{54C72A80-3131-1BEE-91F5-8BB94F20F622}"/>
+                <a16:creationId xmlns:a16="http://schemas.microsoft.com/office/drawing/2014/main" id="{54C72A80-3131-1BEE-91F5-8BB94F20F622}"/>
               </a:ext>
             </a:extLst>
           </p:cNvPr>
@@ -15399,7 +14792,7 @@
           <p:cNvPr id="5" name="표 4">
             <a:extLst>
               <a:ext uri="{FF2B5EF4-FFF2-40B4-BE49-F238E27FC236}">
-                <a16:creationId xmlns:a16="http://schemas.microsoft.com/office/drawing/2014/main" xmlns="" id="{9BF22145-FC6D-D18A-3911-E9625B6CE794}"/>
+                <a16:creationId xmlns:a16="http://schemas.microsoft.com/office/drawing/2014/main" id="{9BF22145-FC6D-D18A-3911-E9625B6CE794}"/>
               </a:ext>
             </a:extLst>
           </p:cNvPr>
@@ -15428,21 +14821,21 @@
                 <a:gridCol w="1768593">
                   <a:extLst>
                     <a:ext uri="{9D8B030D-6E8A-4147-A177-3AD203B41FA5}">
-                      <a16:colId xmlns:a16="http://schemas.microsoft.com/office/drawing/2014/main" xmlns="" val="1278239369"/>
+                      <a16:colId xmlns:a16="http://schemas.microsoft.com/office/drawing/2014/main" val="1278239369"/>
                     </a:ext>
                   </a:extLst>
                 </a:gridCol>
                 <a:gridCol w="2122311">
                   <a:extLst>
                     <a:ext uri="{9D8B030D-6E8A-4147-A177-3AD203B41FA5}">
-                      <a16:colId xmlns:a16="http://schemas.microsoft.com/office/drawing/2014/main" xmlns="" val="1054292436"/>
+                      <a16:colId xmlns:a16="http://schemas.microsoft.com/office/drawing/2014/main" val="1054292436"/>
                     </a:ext>
                   </a:extLst>
                 </a:gridCol>
                 <a:gridCol w="3271897">
                   <a:extLst>
                     <a:ext uri="{9D8B030D-6E8A-4147-A177-3AD203B41FA5}">
-                      <a16:colId xmlns:a16="http://schemas.microsoft.com/office/drawing/2014/main" xmlns="" val="225730716"/>
+                      <a16:colId xmlns:a16="http://schemas.microsoft.com/office/drawing/2014/main" val="225730716"/>
                     </a:ext>
                   </a:extLst>
                 </a:gridCol>
@@ -15630,7 +15023,7 @@
                 </a:tc>
                 <a:extLst>
                   <a:ext uri="{0D108BD9-81ED-4DB2-BD59-A6C34878D82A}">
-                    <a16:rowId xmlns:a16="http://schemas.microsoft.com/office/drawing/2014/main" xmlns="" val="2654211035"/>
+                    <a16:rowId xmlns:a16="http://schemas.microsoft.com/office/drawing/2014/main" val="2654211035"/>
                   </a:ext>
                 </a:extLst>
               </a:tr>
@@ -15849,7 +15242,7 @@
                 </a:tc>
                 <a:extLst>
                   <a:ext uri="{0D108BD9-81ED-4DB2-BD59-A6C34878D82A}">
-                    <a16:rowId xmlns:a16="http://schemas.microsoft.com/office/drawing/2014/main" xmlns="" val="2013197181"/>
+                    <a16:rowId xmlns:a16="http://schemas.microsoft.com/office/drawing/2014/main" val="2013197181"/>
                   </a:ext>
                 </a:extLst>
               </a:tr>
@@ -16095,7 +15488,7 @@
                 </a:tc>
                 <a:extLst>
                   <a:ext uri="{0D108BD9-81ED-4DB2-BD59-A6C34878D82A}">
-                    <a16:rowId xmlns:a16="http://schemas.microsoft.com/office/drawing/2014/main" xmlns="" val="10002"/>
+                    <a16:rowId xmlns:a16="http://schemas.microsoft.com/office/drawing/2014/main" val="10002"/>
                   </a:ext>
                 </a:extLst>
               </a:tr>
@@ -16304,7 +15697,7 @@
                 </a:tc>
                 <a:extLst>
                   <a:ext uri="{0D108BD9-81ED-4DB2-BD59-A6C34878D82A}">
-                    <a16:rowId xmlns:a16="http://schemas.microsoft.com/office/drawing/2014/main" xmlns="" val="2280857763"/>
+                    <a16:rowId xmlns:a16="http://schemas.microsoft.com/office/drawing/2014/main" val="2280857763"/>
                   </a:ext>
                 </a:extLst>
               </a:tr>
@@ -16488,7 +15881,7 @@
                 </a:tc>
                 <a:extLst>
                   <a:ext uri="{0D108BD9-81ED-4DB2-BD59-A6C34878D82A}">
-                    <a16:rowId xmlns:a16="http://schemas.microsoft.com/office/drawing/2014/main" xmlns="" val="1463387718"/>
+                    <a16:rowId xmlns:a16="http://schemas.microsoft.com/office/drawing/2014/main" val="1463387718"/>
                   </a:ext>
                 </a:extLst>
               </a:tr>
@@ -16549,7 +15942,7 @@
           <p:cNvPr id="3" name="그림 2">
             <a:extLst>
               <a:ext uri="{FF2B5EF4-FFF2-40B4-BE49-F238E27FC236}">
-                <a16:creationId xmlns:a16="http://schemas.microsoft.com/office/drawing/2014/main" xmlns="" id="{0923DFA7-A093-8BEE-D1D2-0072FE83A3CC}"/>
+                <a16:creationId xmlns:a16="http://schemas.microsoft.com/office/drawing/2014/main" id="{0923DFA7-A093-8BEE-D1D2-0072FE83A3CC}"/>
               </a:ext>
             </a:extLst>
           </p:cNvPr>
@@ -16579,7 +15972,7 @@
           <p:cNvPr id="2" name="TextBox 1">
             <a:extLst>
               <a:ext uri="{FF2B5EF4-FFF2-40B4-BE49-F238E27FC236}">
-                <a16:creationId xmlns:a16="http://schemas.microsoft.com/office/drawing/2014/main" xmlns="" id="{0C0E3EBB-F8BE-12E3-AA69-74E1CDD883EB}"/>
+                <a16:creationId xmlns:a16="http://schemas.microsoft.com/office/drawing/2014/main" id="{0C0E3EBB-F8BE-12E3-AA69-74E1CDD883EB}"/>
               </a:ext>
             </a:extLst>
           </p:cNvPr>
@@ -16640,7 +16033,7 @@
           <p:cNvPr id="8" name="직선 연결선 7">
             <a:extLst>
               <a:ext uri="{FF2B5EF4-FFF2-40B4-BE49-F238E27FC236}">
-                <a16:creationId xmlns:a16="http://schemas.microsoft.com/office/drawing/2014/main" xmlns="" id="{87359AC7-7544-FAD7-D507-54A989206D73}"/>
+                <a16:creationId xmlns:a16="http://schemas.microsoft.com/office/drawing/2014/main" id="{87359AC7-7544-FAD7-D507-54A989206D73}"/>
               </a:ext>
             </a:extLst>
           </p:cNvPr>
@@ -16788,7 +16181,7 @@
           <p:cNvPr id="11" name="그림 10">
             <a:extLst>
               <a:ext uri="{FF2B5EF4-FFF2-40B4-BE49-F238E27FC236}">
-                <a16:creationId xmlns:a16="http://schemas.microsoft.com/office/drawing/2014/main" xmlns="" id="{06D3336B-16C2-810F-B9F0-FF9A549A0BD3}"/>
+                <a16:creationId xmlns:a16="http://schemas.microsoft.com/office/drawing/2014/main" id="{06D3336B-16C2-810F-B9F0-FF9A549A0BD3}"/>
               </a:ext>
             </a:extLst>
           </p:cNvPr>
@@ -16818,7 +16211,7 @@
           <p:cNvPr id="13" name="그림 12">
             <a:extLst>
               <a:ext uri="{FF2B5EF4-FFF2-40B4-BE49-F238E27FC236}">
-                <a16:creationId xmlns:a16="http://schemas.microsoft.com/office/drawing/2014/main" xmlns="" id="{09697E52-07D3-F4D8-6405-1B8B7906EB97}"/>
+                <a16:creationId xmlns:a16="http://schemas.microsoft.com/office/drawing/2014/main" id="{09697E52-07D3-F4D8-6405-1B8B7906EB97}"/>
               </a:ext>
             </a:extLst>
           </p:cNvPr>
@@ -16848,7 +16241,7 @@
           <p:cNvPr id="2" name="TextBox 1">
             <a:extLst>
               <a:ext uri="{FF2B5EF4-FFF2-40B4-BE49-F238E27FC236}">
-                <a16:creationId xmlns:a16="http://schemas.microsoft.com/office/drawing/2014/main" xmlns="" id="{BB3AB8F7-D332-724D-A45D-0EB0235777FE}"/>
+                <a16:creationId xmlns:a16="http://schemas.microsoft.com/office/drawing/2014/main" id="{BB3AB8F7-D332-724D-A45D-0EB0235777FE}"/>
               </a:ext>
             </a:extLst>
           </p:cNvPr>
@@ -16906,7 +16299,7 @@
           <p:cNvPr id="3" name="직선 연결선 2">
             <a:extLst>
               <a:ext uri="{FF2B5EF4-FFF2-40B4-BE49-F238E27FC236}">
-                <a16:creationId xmlns:a16="http://schemas.microsoft.com/office/drawing/2014/main" xmlns="" id="{9295F1E9-9416-4E6E-5BCC-A53D8187C153}"/>
+                <a16:creationId xmlns:a16="http://schemas.microsoft.com/office/drawing/2014/main" id="{9295F1E9-9416-4E6E-5BCC-A53D8187C153}"/>
               </a:ext>
             </a:extLst>
           </p:cNvPr>
@@ -16949,7 +16342,7 @@
           <p:cNvPr id="4" name="직선 화살표 연결선 3">
             <a:extLst>
               <a:ext uri="{FF2B5EF4-FFF2-40B4-BE49-F238E27FC236}">
-                <a16:creationId xmlns:a16="http://schemas.microsoft.com/office/drawing/2014/main" xmlns="" id="{F9A660F9-256C-6166-2D82-41CA0D8E989F}"/>
+                <a16:creationId xmlns:a16="http://schemas.microsoft.com/office/drawing/2014/main" id="{F9A660F9-256C-6166-2D82-41CA0D8E989F}"/>
               </a:ext>
             </a:extLst>
           </p:cNvPr>
@@ -16990,7 +16383,7 @@
           <p:cNvPr id="5" name="직사각형 4">
             <a:extLst>
               <a:ext uri="{FF2B5EF4-FFF2-40B4-BE49-F238E27FC236}">
-                <a16:creationId xmlns:a16="http://schemas.microsoft.com/office/drawing/2014/main" xmlns="" id="{238EAABC-B8F8-27FA-FA47-CD082CD33414}"/>
+                <a16:creationId xmlns:a16="http://schemas.microsoft.com/office/drawing/2014/main" id="{238EAABC-B8F8-27FA-FA47-CD082CD33414}"/>
               </a:ext>
             </a:extLst>
           </p:cNvPr>
@@ -17042,7 +16435,7 @@
           <p:cNvPr id="6" name="TextBox 5">
             <a:extLst>
               <a:ext uri="{FF2B5EF4-FFF2-40B4-BE49-F238E27FC236}">
-                <a16:creationId xmlns:a16="http://schemas.microsoft.com/office/drawing/2014/main" xmlns="" id="{8EFDE90C-748F-14CF-EAA4-B4005E2E9224}"/>
+                <a16:creationId xmlns:a16="http://schemas.microsoft.com/office/drawing/2014/main" id="{8EFDE90C-748F-14CF-EAA4-B4005E2E9224}"/>
               </a:ext>
             </a:extLst>
           </p:cNvPr>
@@ -17115,7 +16508,7 @@
           <p:cNvPr id="10" name="직선 화살표 연결선 9">
             <a:extLst>
               <a:ext uri="{FF2B5EF4-FFF2-40B4-BE49-F238E27FC236}">
-                <a16:creationId xmlns:a16="http://schemas.microsoft.com/office/drawing/2014/main" xmlns="" id="{FE420E17-5403-5749-B256-327BF3B43640}"/>
+                <a16:creationId xmlns:a16="http://schemas.microsoft.com/office/drawing/2014/main" id="{FE420E17-5403-5749-B256-327BF3B43640}"/>
               </a:ext>
             </a:extLst>
           </p:cNvPr>
@@ -17157,7 +16550,7 @@
           <p:cNvPr id="12" name="직사각형 11">
             <a:extLst>
               <a:ext uri="{FF2B5EF4-FFF2-40B4-BE49-F238E27FC236}">
-                <a16:creationId xmlns:a16="http://schemas.microsoft.com/office/drawing/2014/main" xmlns="" id="{B12DA8B6-403C-2085-B973-C91527E2579A}"/>
+                <a16:creationId xmlns:a16="http://schemas.microsoft.com/office/drawing/2014/main" id="{B12DA8B6-403C-2085-B973-C91527E2579A}"/>
               </a:ext>
             </a:extLst>
           </p:cNvPr>
@@ -17209,7 +16602,7 @@
           <p:cNvPr id="15" name="TextBox 14">
             <a:extLst>
               <a:ext uri="{FF2B5EF4-FFF2-40B4-BE49-F238E27FC236}">
-                <a16:creationId xmlns:a16="http://schemas.microsoft.com/office/drawing/2014/main" xmlns="" id="{F99872AA-44FC-FB17-E6C1-CC7D9EF671E9}"/>
+                <a16:creationId xmlns:a16="http://schemas.microsoft.com/office/drawing/2014/main" id="{F99872AA-44FC-FB17-E6C1-CC7D9EF671E9}"/>
               </a:ext>
             </a:extLst>
           </p:cNvPr>
